--- a/Vendor_Boards/Great_Cow_Basic_Demo_Board/16F17556_chiprange_demonstrations/tutorials/GCBASIC_Part18_toolchain.pptx
+++ b/Vendor_Boards/Great_Cow_Basic_Demo_Board/16F17556_chiprange_demonstrations/tutorials/GCBASIC_Part18_toolchain.pptx
@@ -5,28 +5,29 @@
     <p:sldMasterId id="2147483660" r:id="rId1"/>
   </p:sldMasterIdLst>
   <p:notesMasterIdLst>
-    <p:notesMasterId r:id="rId18"/>
+    <p:notesMasterId r:id="rId19"/>
   </p:notesMasterIdLst>
   <p:handoutMasterIdLst>
-    <p:handoutMasterId r:id="rId19"/>
+    <p:handoutMasterId r:id="rId20"/>
   </p:handoutMasterIdLst>
   <p:sldIdLst>
     <p:sldId id="294" r:id="rId2"/>
     <p:sldId id="256" r:id="rId3"/>
     <p:sldId id="295" r:id="rId4"/>
-    <p:sldId id="283" r:id="rId5"/>
-    <p:sldId id="296" r:id="rId6"/>
+    <p:sldId id="296" r:id="rId5"/>
+    <p:sldId id="363" r:id="rId6"/>
     <p:sldId id="355" r:id="rId7"/>
     <p:sldId id="356" r:id="rId8"/>
     <p:sldId id="357" r:id="rId9"/>
     <p:sldId id="358" r:id="rId10"/>
     <p:sldId id="359" r:id="rId11"/>
     <p:sldId id="360" r:id="rId12"/>
-    <p:sldId id="361" r:id="rId13"/>
-    <p:sldId id="362" r:id="rId14"/>
-    <p:sldId id="288" r:id="rId15"/>
-    <p:sldId id="353" r:id="rId16"/>
-    <p:sldId id="352" r:id="rId17"/>
+    <p:sldId id="364" r:id="rId13"/>
+    <p:sldId id="361" r:id="rId14"/>
+    <p:sldId id="362" r:id="rId15"/>
+    <p:sldId id="288" r:id="rId16"/>
+    <p:sldId id="353" r:id="rId17"/>
+    <p:sldId id="352" r:id="rId18"/>
   </p:sldIdLst>
   <p:sldSz cx="9144000" cy="5143500" type="screen16x9"/>
   <p:notesSz cx="6858000" cy="9144000"/>
@@ -211,7 +212,7 @@
             <a:fld id="{742E545A-AB39-44F0-B5A6-04A90C6C9399}" type="datetimeFigureOut">
               <a:rPr lang="en-GB" smtClean="0"/>
               <a:pPr/>
-              <a:t>14/12/2024</a:t>
+              <a:t>18/12/2025</a:t>
             </a:fld>
             <a:endParaRPr lang="en-GB" dirty="0"/>
           </a:p>
@@ -378,7 +379,7 @@
             <a:fld id="{FF100B3C-2E11-428B-8555-A77018253716}" type="datetimeFigureOut">
               <a:rPr lang="en-GB" smtClean="0"/>
               <a:pPr/>
-              <a:t>14/12/2024</a:t>
+              <a:t>18/12/2025</a:t>
             </a:fld>
             <a:endParaRPr lang="en-GB" dirty="0"/>
           </a:p>
@@ -756,7 +757,7 @@
           <p:cNvPr id="7" name="Rectangle 6">
             <a:extLst>
               <a:ext uri="{FF2B5EF4-FFF2-40B4-BE49-F238E27FC236}">
-                <a16:creationId xmlns="" xmlns:a16="http://schemas.microsoft.com/office/drawing/2014/main" id="{9C757326-0232-4CDF-81FF-302CA676961B}"/>
+                <a16:creationId xmlns:a16="http://schemas.microsoft.com/office/drawing/2014/main" xmlns="" id="{9C757326-0232-4CDF-81FF-302CA676961B}"/>
               </a:ext>
             </a:extLst>
           </p:cNvPr>
@@ -808,7 +809,7 @@
           <p:cNvPr id="8" name="Picture 7">
             <a:extLst>
               <a:ext uri="{FF2B5EF4-FFF2-40B4-BE49-F238E27FC236}">
-                <a16:creationId xmlns="" xmlns:a16="http://schemas.microsoft.com/office/drawing/2014/main" id="{4987E008-68E6-4A43-85BC-1A6ACDF91DE1}"/>
+                <a16:creationId xmlns:a16="http://schemas.microsoft.com/office/drawing/2014/main" xmlns="" id="{4987E008-68E6-4A43-85BC-1A6ACDF91DE1}"/>
               </a:ext>
             </a:extLst>
           </p:cNvPr>
@@ -837,7 +838,7 @@
           <p:cNvPr id="11" name="Picture 10">
             <a:extLst>
               <a:ext uri="{FF2B5EF4-FFF2-40B4-BE49-F238E27FC236}">
-                <a16:creationId xmlns="" xmlns:a16="http://schemas.microsoft.com/office/drawing/2014/main" id="{A1F8C892-C868-4DF6-91AB-B18CE632B10F}"/>
+                <a16:creationId xmlns:a16="http://schemas.microsoft.com/office/drawing/2014/main" xmlns="" id="{A1F8C892-C868-4DF6-91AB-B18CE632B10F}"/>
               </a:ext>
             </a:extLst>
           </p:cNvPr>
@@ -1023,7 +1024,7 @@
           <p:cNvPr id="12" name="Text Placeholder 2">
             <a:extLst>
               <a:ext uri="{FF2B5EF4-FFF2-40B4-BE49-F238E27FC236}">
-                <a16:creationId xmlns="" xmlns:a16="http://schemas.microsoft.com/office/drawing/2014/main" id="{D547E580-E6D6-4D97-BB04-05795A830147}"/>
+                <a16:creationId xmlns:a16="http://schemas.microsoft.com/office/drawing/2014/main" xmlns="" id="{D547E580-E6D6-4D97-BB04-05795A830147}"/>
               </a:ext>
             </a:extLst>
           </p:cNvPr>
@@ -1176,7 +1177,7 @@
           <p:cNvPr id="9" name="Picture 8">
             <a:extLst>
               <a:ext uri="{FF2B5EF4-FFF2-40B4-BE49-F238E27FC236}">
-                <a16:creationId xmlns="" xmlns:a16="http://schemas.microsoft.com/office/drawing/2014/main" id="{7CE2C968-D10A-4226-8FDC-CBC4C7EDD0B7}"/>
+                <a16:creationId xmlns:a16="http://schemas.microsoft.com/office/drawing/2014/main" xmlns="" id="{7CE2C968-D10A-4226-8FDC-CBC4C7EDD0B7}"/>
               </a:ext>
             </a:extLst>
           </p:cNvPr>
@@ -1378,7 +1379,7 @@
             <a:fld id="{C473AACB-D821-4991-9D88-46EB8D29E619}" type="datetimeFigureOut">
               <a:rPr lang="en-GB" smtClean="0"/>
               <a:pPr/>
-              <a:t>14/12/2024</a:t>
+              <a:t>18/12/2025</a:t>
             </a:fld>
             <a:endParaRPr lang="en-GB" dirty="0"/>
           </a:p>
@@ -1462,7 +1463,7 @@
           <p:cNvPr id="9" name="Picture 8">
             <a:extLst>
               <a:ext uri="{FF2B5EF4-FFF2-40B4-BE49-F238E27FC236}">
-                <a16:creationId xmlns="" xmlns:a16="http://schemas.microsoft.com/office/drawing/2014/main" id="{6AB5D66D-00C1-40EA-BFC8-305566F10369}"/>
+                <a16:creationId xmlns:a16="http://schemas.microsoft.com/office/drawing/2014/main" xmlns="" id="{6AB5D66D-00C1-40EA-BFC8-305566F10369}"/>
               </a:ext>
             </a:extLst>
           </p:cNvPr>
@@ -1672,7 +1673,7 @@
             <a:fld id="{C473AACB-D821-4991-9D88-46EB8D29E619}" type="datetimeFigureOut">
               <a:rPr lang="en-GB" smtClean="0"/>
               <a:pPr/>
-              <a:t>14/12/2024</a:t>
+              <a:t>18/12/2025</a:t>
             </a:fld>
             <a:endParaRPr lang="en-GB" dirty="0"/>
           </a:p>
@@ -1925,7 +1926,7 @@
             <a:fld id="{C473AACB-D821-4991-9D88-46EB8D29E619}" type="datetimeFigureOut">
               <a:rPr lang="en-GB" smtClean="0"/>
               <a:pPr/>
-              <a:t>14/12/2024</a:t>
+              <a:t>18/12/2025</a:t>
             </a:fld>
             <a:endParaRPr lang="en-GB" dirty="0"/>
           </a:p>
@@ -1979,7 +1980,7 @@
           <p:cNvPr id="8" name="Picture 7">
             <a:extLst>
               <a:ext uri="{FF2B5EF4-FFF2-40B4-BE49-F238E27FC236}">
-                <a16:creationId xmlns="" xmlns:a16="http://schemas.microsoft.com/office/drawing/2014/main" id="{AD4D4CB4-D965-4BB6-B218-086244C13BAE}"/>
+                <a16:creationId xmlns:a16="http://schemas.microsoft.com/office/drawing/2014/main" xmlns="" id="{AD4D4CB4-D965-4BB6-B218-086244C13BAE}"/>
               </a:ext>
             </a:extLst>
           </p:cNvPr>
@@ -2270,7 +2271,7 @@
             <a:fld id="{C473AACB-D821-4991-9D88-46EB8D29E619}" type="datetimeFigureOut">
               <a:rPr lang="en-GB" smtClean="0"/>
               <a:pPr/>
-              <a:t>14/12/2024</a:t>
+              <a:t>18/12/2025</a:t>
             </a:fld>
             <a:endParaRPr lang="en-GB" dirty="0"/>
           </a:p>
@@ -2414,7 +2415,7 @@
           <p:cNvPr id="11" name="Picture 10">
             <a:extLst>
               <a:ext uri="{FF2B5EF4-FFF2-40B4-BE49-F238E27FC236}">
-                <a16:creationId xmlns="" xmlns:a16="http://schemas.microsoft.com/office/drawing/2014/main" id="{A3B58C4E-0EF0-466C-9740-EC9F485CBD03}"/>
+                <a16:creationId xmlns:a16="http://schemas.microsoft.com/office/drawing/2014/main" xmlns="" id="{A3B58C4E-0EF0-466C-9740-EC9F485CBD03}"/>
               </a:ext>
             </a:extLst>
           </p:cNvPr>
@@ -2642,7 +2643,7 @@
             <a:fld id="{C473AACB-D821-4991-9D88-46EB8D29E619}" type="datetimeFigureOut">
               <a:rPr lang="en-GB" smtClean="0"/>
               <a:pPr/>
-              <a:t>14/12/2024</a:t>
+              <a:t>18/12/2025</a:t>
             </a:fld>
             <a:endParaRPr lang="en-GB" dirty="0"/>
           </a:p>
@@ -2696,7 +2697,7 @@
           <p:cNvPr id="7" name="Picture 6">
             <a:extLst>
               <a:ext uri="{FF2B5EF4-FFF2-40B4-BE49-F238E27FC236}">
-                <a16:creationId xmlns="" xmlns:a16="http://schemas.microsoft.com/office/drawing/2014/main" id="{2D0B9223-1250-44AA-A6C3-F2013B85AEF3}"/>
+                <a16:creationId xmlns:a16="http://schemas.microsoft.com/office/drawing/2014/main" xmlns="" id="{2D0B9223-1250-44AA-A6C3-F2013B85AEF3}"/>
               </a:ext>
             </a:extLst>
           </p:cNvPr>
@@ -2988,7 +2989,7 @@
             <a:fld id="{C473AACB-D821-4991-9D88-46EB8D29E619}" type="datetimeFigureOut">
               <a:rPr lang="en-GB" smtClean="0"/>
               <a:pPr/>
-              <a:t>14/12/2024</a:t>
+              <a:t>18/12/2025</a:t>
             </a:fld>
             <a:endParaRPr lang="en-GB" dirty="0"/>
           </a:p>
@@ -3124,7 +3125,7 @@
           <p:cNvPr id="11" name="Picture 10">
             <a:extLst>
               <a:ext uri="{FF2B5EF4-FFF2-40B4-BE49-F238E27FC236}">
-                <a16:creationId xmlns="" xmlns:a16="http://schemas.microsoft.com/office/drawing/2014/main" id="{D49E1C7C-7E53-49A2-B2C9-52307876DB7E}"/>
+                <a16:creationId xmlns:a16="http://schemas.microsoft.com/office/drawing/2014/main" xmlns="" id="{D49E1C7C-7E53-49A2-B2C9-52307876DB7E}"/>
               </a:ext>
             </a:extLst>
           </p:cNvPr>
@@ -3412,7 +3413,7 @@
             <a:fld id="{C473AACB-D821-4991-9D88-46EB8D29E619}" type="datetimeFigureOut">
               <a:rPr lang="en-GB" smtClean="0"/>
               <a:pPr/>
-              <a:t>14/12/2024</a:t>
+              <a:t>18/12/2025</a:t>
             </a:fld>
             <a:endParaRPr lang="en-GB" dirty="0"/>
           </a:p>
@@ -3466,7 +3467,7 @@
           <p:cNvPr id="9" name="Picture 8">
             <a:extLst>
               <a:ext uri="{FF2B5EF4-FFF2-40B4-BE49-F238E27FC236}">
-                <a16:creationId xmlns="" xmlns:a16="http://schemas.microsoft.com/office/drawing/2014/main" id="{23082AB0-2BB5-46FE-9A17-15E1ACC06965}"/>
+                <a16:creationId xmlns:a16="http://schemas.microsoft.com/office/drawing/2014/main" xmlns="" id="{23082AB0-2BB5-46FE-9A17-15E1ACC06965}"/>
               </a:ext>
             </a:extLst>
           </p:cNvPr>
@@ -3525,7 +3526,7 @@
           <p:cNvPr id="8" name="Picture 7">
             <a:extLst>
               <a:ext uri="{FF2B5EF4-FFF2-40B4-BE49-F238E27FC236}">
-                <a16:creationId xmlns="" xmlns:a16="http://schemas.microsoft.com/office/drawing/2014/main" id="{1862E859-E5AF-4D76-9FC9-2355B24FF141}"/>
+                <a16:creationId xmlns:a16="http://schemas.microsoft.com/office/drawing/2014/main" xmlns="" id="{1862E859-E5AF-4D76-9FC9-2355B24FF141}"/>
               </a:ext>
             </a:extLst>
           </p:cNvPr>
@@ -3647,7 +3648,7 @@
             <a:fld id="{C473AACB-D821-4991-9D88-46EB8D29E619}" type="datetimeFigureOut">
               <a:rPr lang="en-GB" smtClean="0"/>
               <a:pPr/>
-              <a:t>14/12/2024</a:t>
+              <a:t>18/12/2025</a:t>
             </a:fld>
             <a:endParaRPr lang="en-GB" dirty="0"/>
           </a:p>
@@ -3731,7 +3732,7 @@
           <p:cNvPr id="8" name="Picture 7">
             <a:extLst>
               <a:ext uri="{FF2B5EF4-FFF2-40B4-BE49-F238E27FC236}">
-                <a16:creationId xmlns="" xmlns:a16="http://schemas.microsoft.com/office/drawing/2014/main" id="{91908D0E-7544-4687-965B-72EF64AA4C54}"/>
+                <a16:creationId xmlns:a16="http://schemas.microsoft.com/office/drawing/2014/main" xmlns="" id="{91908D0E-7544-4687-965B-72EF64AA4C54}"/>
               </a:ext>
             </a:extLst>
           </p:cNvPr>
@@ -3858,7 +3859,7 @@
             <a:fld id="{C473AACB-D821-4991-9D88-46EB8D29E619}" type="datetimeFigureOut">
               <a:rPr lang="en-GB" smtClean="0"/>
               <a:pPr/>
-              <a:t>14/12/2024</a:t>
+              <a:t>18/12/2025</a:t>
             </a:fld>
             <a:endParaRPr lang="en-GB" dirty="0"/>
           </a:p>
@@ -3942,7 +3943,7 @@
           <p:cNvPr id="8" name="Picture 7">
             <a:extLst>
               <a:ext uri="{FF2B5EF4-FFF2-40B4-BE49-F238E27FC236}">
-                <a16:creationId xmlns="" xmlns:a16="http://schemas.microsoft.com/office/drawing/2014/main" id="{5B5B8CA2-02D4-408C-B548-182D4F5F54B2}"/>
+                <a16:creationId xmlns:a16="http://schemas.microsoft.com/office/drawing/2014/main" xmlns="" id="{5B5B8CA2-02D4-408C-B548-182D4F5F54B2}"/>
               </a:ext>
             </a:extLst>
           </p:cNvPr>
@@ -4076,7 +4077,7 @@
             <a:fld id="{C473AACB-D821-4991-9D88-46EB8D29E619}" type="datetimeFigureOut">
               <a:rPr lang="en-GB" smtClean="0"/>
               <a:pPr/>
-              <a:t>14/12/2024</a:t>
+              <a:t>18/12/2025</a:t>
             </a:fld>
             <a:endParaRPr lang="en-GB" dirty="0"/>
           </a:p>
@@ -4160,7 +4161,7 @@
           <p:cNvPr id="11" name="Picture 10">
             <a:extLst>
               <a:ext uri="{FF2B5EF4-FFF2-40B4-BE49-F238E27FC236}">
-                <a16:creationId xmlns="" xmlns:a16="http://schemas.microsoft.com/office/drawing/2014/main" id="{EA8DB33B-8BF9-4C99-B31C-55246227EFDE}"/>
+                <a16:creationId xmlns:a16="http://schemas.microsoft.com/office/drawing/2014/main" xmlns="" id="{EA8DB33B-8BF9-4C99-B31C-55246227EFDE}"/>
               </a:ext>
             </a:extLst>
           </p:cNvPr>
@@ -4891,7 +4892,7 @@
             <a:fld id="{C473AACB-D821-4991-9D88-46EB8D29E619}" type="datetimeFigureOut">
               <a:rPr lang="en-GB" smtClean="0"/>
               <a:pPr/>
-              <a:t>14/12/2024</a:t>
+              <a:t>18/12/2025</a:t>
             </a:fld>
             <a:endParaRPr lang="en-GB" dirty="0"/>
           </a:p>
@@ -4975,7 +4976,7 @@
           <p:cNvPr id="11" name="Picture 10">
             <a:extLst>
               <a:ext uri="{FF2B5EF4-FFF2-40B4-BE49-F238E27FC236}">
-                <a16:creationId xmlns="" xmlns:a16="http://schemas.microsoft.com/office/drawing/2014/main" id="{EA8DB33B-8BF9-4C99-B31C-55246227EFDE}"/>
+                <a16:creationId xmlns:a16="http://schemas.microsoft.com/office/drawing/2014/main" xmlns="" id="{EA8DB33B-8BF9-4C99-B31C-55246227EFDE}"/>
               </a:ext>
             </a:extLst>
           </p:cNvPr>
@@ -5705,7 +5706,7 @@
             <a:fld id="{C473AACB-D821-4991-9D88-46EB8D29E619}" type="datetimeFigureOut">
               <a:rPr lang="en-GB" smtClean="0"/>
               <a:pPr/>
-              <a:t>14/12/2024</a:t>
+              <a:t>18/12/2025</a:t>
             </a:fld>
             <a:endParaRPr lang="en-GB" dirty="0"/>
           </a:p>
@@ -5954,7 +5955,7 @@
             <a:fld id="{C473AACB-D821-4991-9D88-46EB8D29E619}" type="datetimeFigureOut">
               <a:rPr lang="en-GB" smtClean="0"/>
               <a:pPr/>
-              <a:t>14/12/2024</a:t>
+              <a:t>18/12/2025</a:t>
             </a:fld>
             <a:endParaRPr lang="en-GB" dirty="0"/>
           </a:p>
@@ -6008,7 +6009,7 @@
           <p:cNvPr id="7" name="Picture 6">
             <a:extLst>
               <a:ext uri="{FF2B5EF4-FFF2-40B4-BE49-F238E27FC236}">
-                <a16:creationId xmlns="" xmlns:a16="http://schemas.microsoft.com/office/drawing/2014/main" id="{6331EFED-43C1-4CBA-8BE3-308E3AA13B9B}"/>
+                <a16:creationId xmlns:a16="http://schemas.microsoft.com/office/drawing/2014/main" xmlns="" id="{6331EFED-43C1-4CBA-8BE3-308E3AA13B9B}"/>
               </a:ext>
             </a:extLst>
           </p:cNvPr>
@@ -6218,7 +6219,7 @@
             <a:fld id="{C473AACB-D821-4991-9D88-46EB8D29E619}" type="datetimeFigureOut">
               <a:rPr lang="en-GB" smtClean="0"/>
               <a:pPr/>
-              <a:t>14/12/2024</a:t>
+              <a:t>18/12/2025</a:t>
             </a:fld>
             <a:endParaRPr lang="en-GB" dirty="0"/>
           </a:p>
@@ -6272,7 +6273,7 @@
           <p:cNvPr id="9" name="Picture 8">
             <a:extLst>
               <a:ext uri="{FF2B5EF4-FFF2-40B4-BE49-F238E27FC236}">
-                <a16:creationId xmlns="" xmlns:a16="http://schemas.microsoft.com/office/drawing/2014/main" id="{1034EA63-4BE3-4A73-A7E6-4A75BE4C1D48}"/>
+                <a16:creationId xmlns:a16="http://schemas.microsoft.com/office/drawing/2014/main" xmlns="" id="{1034EA63-4BE3-4A73-A7E6-4A75BE4C1D48}"/>
               </a:ext>
             </a:extLst>
           </p:cNvPr>
@@ -6331,7 +6332,7 @@
           <p:cNvPr id="10" name="Picture 9">
             <a:extLst>
               <a:ext uri="{FF2B5EF4-FFF2-40B4-BE49-F238E27FC236}">
-                <a16:creationId xmlns="" xmlns:a16="http://schemas.microsoft.com/office/drawing/2014/main" id="{204DC1E6-B5F4-4160-90F3-351FB3242E92}"/>
+                <a16:creationId xmlns:a16="http://schemas.microsoft.com/office/drawing/2014/main" xmlns="" id="{204DC1E6-B5F4-4160-90F3-351FB3242E92}"/>
               </a:ext>
             </a:extLst>
           </p:cNvPr>
@@ -6658,7 +6659,7 @@
             <a:fld id="{C473AACB-D821-4991-9D88-46EB8D29E619}" type="datetimeFigureOut">
               <a:rPr lang="en-GB" smtClean="0"/>
               <a:pPr/>
-              <a:t>14/12/2024</a:t>
+              <a:t>18/12/2025</a:t>
             </a:fld>
             <a:endParaRPr lang="en-GB" dirty="0"/>
           </a:p>
@@ -6742,7 +6743,7 @@
           <p:cNvPr id="6" name="Picture 5">
             <a:extLst>
               <a:ext uri="{FF2B5EF4-FFF2-40B4-BE49-F238E27FC236}">
-                <a16:creationId xmlns="" xmlns:a16="http://schemas.microsoft.com/office/drawing/2014/main" id="{E7897C67-3827-4595-8E3A-71E9F2EAB3AF}"/>
+                <a16:creationId xmlns:a16="http://schemas.microsoft.com/office/drawing/2014/main" xmlns="" id="{E7897C67-3827-4595-8E3A-71E9F2EAB3AF}"/>
               </a:ext>
             </a:extLst>
           </p:cNvPr>
@@ -6813,7 +6814,7 @@
             <a:fld id="{C473AACB-D821-4991-9D88-46EB8D29E619}" type="datetimeFigureOut">
               <a:rPr lang="en-GB" smtClean="0"/>
               <a:pPr/>
-              <a:t>14/12/2024</a:t>
+              <a:t>18/12/2025</a:t>
             </a:fld>
             <a:endParaRPr lang="en-GB" dirty="0"/>
           </a:p>
@@ -6910,7 +6911,7 @@
             <a:fld id="{C473AACB-D821-4991-9D88-46EB8D29E619}" type="datetimeFigureOut">
               <a:rPr lang="en-GB" smtClean="0"/>
               <a:pPr/>
-              <a:t>14/12/2024</a:t>
+              <a:t>18/12/2025</a:t>
             </a:fld>
             <a:endParaRPr lang="en-GB" dirty="0"/>
           </a:p>
@@ -6964,7 +6965,7 @@
           <p:cNvPr id="6" name="Picture 5">
             <a:extLst>
               <a:ext uri="{FF2B5EF4-FFF2-40B4-BE49-F238E27FC236}">
-                <a16:creationId xmlns="" xmlns:a16="http://schemas.microsoft.com/office/drawing/2014/main" id="{F1825398-026A-4668-BB48-C16AD1C9062B}"/>
+                <a16:creationId xmlns:a16="http://schemas.microsoft.com/office/drawing/2014/main" xmlns="" id="{F1825398-026A-4668-BB48-C16AD1C9062B}"/>
               </a:ext>
             </a:extLst>
           </p:cNvPr>
@@ -7687,7 +7688,7 @@
             <a:fld id="{C473AACB-D821-4991-9D88-46EB8D29E619}" type="datetimeFigureOut">
               <a:rPr lang="en-GB" smtClean="0"/>
               <a:pPr/>
-              <a:t>14/12/2024</a:t>
+              <a:t>18/12/2025</a:t>
             </a:fld>
             <a:endParaRPr lang="en-GB" dirty="0"/>
           </a:p>
@@ -8261,18 +8262,15 @@
           <a:p>
             <a:r>
               <a:rPr lang="en-GB" dirty="0" smtClean="0"/>
-              <a:t>PIC18FxxQ24</a:t>
-            </a:r>
+              <a:t>PIC16F175xx</a:t>
+            </a:r>
+            <a:endParaRPr lang="en-GB" dirty="0" smtClean="0"/>
           </a:p>
           <a:p>
             <a:pPr marL="538163" indent="-538163"/>
             <a:r>
               <a:rPr lang="en-GB" dirty="0" smtClean="0"/>
-              <a:t>Part </a:t>
-            </a:r>
-            <a:r>
-              <a:rPr lang="en-GB" dirty="0" smtClean="0"/>
-              <a:t>18 - The GCBASIC Tool Chain</a:t>
+              <a:t>Part 18 - The GCBASIC Tool Chain</a:t>
             </a:r>
             <a:endParaRPr lang="en-GB" dirty="0"/>
           </a:p>
@@ -9124,25 +9122,6 @@
       </p:sp>
       <p:sp>
         <p:nvSpPr>
-          <p:cNvPr id="2" name="Content Placeholder 1"/>
-          <p:cNvSpPr>
-            <a:spLocks noGrp="1"/>
-          </p:cNvSpPr>
-          <p:nvPr>
-            <p:ph idx="1"/>
-          </p:nvPr>
-        </p:nvSpPr>
-        <p:spPr/>
-        <p:txBody>
-          <a:bodyPr/>
-          <a:lstStyle/>
-          <a:p>
-            <a:endParaRPr lang="en-GB"/>
-          </a:p>
-        </p:txBody>
-      </p:sp>
-      <p:sp>
-        <p:nvSpPr>
           <p:cNvPr id="48" name="Flowchart: Document 47"/>
           <p:cNvSpPr/>
           <p:nvPr/>
@@ -9281,11 +9260,11 @@
   <p:clrMapOvr>
     <a:masterClrMapping/>
   </p:clrMapOvr>
-  <mc:AlternateContent xmlns:mc="http://schemas.openxmlformats.org/markup-compatibility/2006">
-    <mc:Choice xmlns:p14="http://schemas.microsoft.com/office/powerpoint/2010/main" Requires="p14">
+  <mc:AlternateContent xmlns:mc="http://schemas.openxmlformats.org/markup-compatibility/2006" xmlns:p14="http://schemas.microsoft.com/office/powerpoint/2010/main">
+    <mc:Choice Requires="p14">
       <p:transition spd="slow" p14:dur="2000" advClick="0"/>
     </mc:Choice>
-    <mc:Fallback>
+    <mc:Fallback xmlns="">
       <p:transition spd="slow" advClick="0"/>
     </mc:Fallback>
   </mc:AlternateContent>
@@ -10337,11 +10316,11 @@
   <p:clrMapOvr>
     <a:masterClrMapping/>
   </p:clrMapOvr>
-  <mc:AlternateContent xmlns:mc="http://schemas.openxmlformats.org/markup-compatibility/2006">
-    <mc:Choice xmlns:p14="http://schemas.microsoft.com/office/powerpoint/2010/main" Requires="p14">
+  <mc:AlternateContent xmlns:mc="http://schemas.openxmlformats.org/markup-compatibility/2006" xmlns:p14="http://schemas.microsoft.com/office/powerpoint/2010/main">
+    <mc:Choice Requires="p14">
       <p:transition spd="slow" p14:dur="2000" advClick="0"/>
     </mc:Choice>
-    <mc:Fallback>
+    <mc:Fallback xmlns="">
       <p:transition spd="slow" advClick="0"/>
     </mc:Fallback>
   </mc:AlternateContent>
@@ -10356,6 +10335,1028 @@
 </file>
 
 <file path=ppt/slides/slide12.xml><?xml version="1.0" encoding="utf-8"?>
+<p:sld xmlns:a="http://schemas.openxmlformats.org/drawingml/2006/main" xmlns:r="http://schemas.openxmlformats.org/officeDocument/2006/relationships" xmlns:p="http://schemas.openxmlformats.org/presentationml/2006/main" showMasterSp="0">
+  <p:cSld>
+    <p:spTree>
+      <p:nvGrpSpPr>
+        <p:cNvPr id="1" name=""/>
+        <p:cNvGrpSpPr/>
+        <p:nvPr/>
+      </p:nvGrpSpPr>
+      <p:grpSpPr>
+        <a:xfrm>
+          <a:off x="0" y="0"/>
+          <a:ext cx="0" cy="0"/>
+          <a:chOff x="0" y="0"/>
+          <a:chExt cx="0" cy="0"/>
+        </a:xfrm>
+      </p:grpSpPr>
+      <p:sp>
+        <p:nvSpPr>
+          <p:cNvPr id="44" name="Flowchart: Process 43"/>
+          <p:cNvSpPr/>
+          <p:nvPr/>
+        </p:nvSpPr>
+        <p:spPr>
+          <a:xfrm>
+            <a:off x="2051720" y="2161188"/>
+            <a:ext cx="4796755" cy="1152128"/>
+          </a:xfrm>
+          <a:prstGeom prst="flowChartProcess">
+            <a:avLst/>
+          </a:prstGeom>
+          <a:solidFill>
+            <a:schemeClr val="accent1">
+              <a:lumMod val="20000"/>
+              <a:lumOff val="80000"/>
+            </a:schemeClr>
+          </a:solidFill>
+        </p:spPr>
+        <p:style>
+          <a:lnRef idx="2">
+            <a:schemeClr val="accent1">
+              <a:shade val="50000"/>
+            </a:schemeClr>
+          </a:lnRef>
+          <a:fillRef idx="1">
+            <a:schemeClr val="accent1"/>
+          </a:fillRef>
+          <a:effectRef idx="0">
+            <a:schemeClr val="accent1"/>
+          </a:effectRef>
+          <a:fontRef idx="minor">
+            <a:schemeClr val="lt1"/>
+          </a:fontRef>
+        </p:style>
+        <p:txBody>
+          <a:bodyPr rtlCol="0" anchor="ctr"/>
+          <a:lstStyle/>
+          <a:p>
+            <a:pPr algn="ctr"/>
+            <a:endParaRPr lang="en-GB"/>
+          </a:p>
+        </p:txBody>
+      </p:sp>
+      <p:sp>
+        <p:nvSpPr>
+          <p:cNvPr id="4" name="Oval 3"/>
+          <p:cNvSpPr/>
+          <p:nvPr/>
+        </p:nvSpPr>
+        <p:spPr>
+          <a:xfrm>
+            <a:off x="107504" y="2161187"/>
+            <a:ext cx="1605103" cy="1425217"/>
+          </a:xfrm>
+          <a:prstGeom prst="ellipse">
+            <a:avLst/>
+          </a:prstGeom>
+        </p:spPr>
+        <p:style>
+          <a:lnRef idx="2">
+            <a:schemeClr val="accent1">
+              <a:shade val="50000"/>
+            </a:schemeClr>
+          </a:lnRef>
+          <a:fillRef idx="1">
+            <a:schemeClr val="accent1"/>
+          </a:fillRef>
+          <a:effectRef idx="0">
+            <a:schemeClr val="accent1"/>
+          </a:effectRef>
+          <a:fontRef idx="minor">
+            <a:schemeClr val="lt1"/>
+          </a:fontRef>
+        </p:style>
+        <p:txBody>
+          <a:bodyPr lIns="0" tIns="0" rIns="0" bIns="0" rtlCol="0" anchor="ctr"/>
+          <a:lstStyle/>
+          <a:p>
+            <a:pPr algn="ctr"/>
+            <a:r>
+              <a:rPr lang="en-GB" sz="1200" dirty="0" smtClean="0"/>
+              <a:t>GCBASIC </a:t>
+            </a:r>
+            <a:r>
+              <a:rPr lang="en-GB" sz="1600" dirty="0" smtClean="0"/>
+              <a:t>Compiler</a:t>
+            </a:r>
+            <a:endParaRPr lang="en-GB" sz="1200" dirty="0"/>
+          </a:p>
+        </p:txBody>
+      </p:sp>
+      <p:sp>
+        <p:nvSpPr>
+          <p:cNvPr id="15" name="Flowchart: Document 14"/>
+          <p:cNvSpPr/>
+          <p:nvPr/>
+        </p:nvSpPr>
+        <p:spPr>
+          <a:xfrm>
+            <a:off x="2451115" y="1297092"/>
+            <a:ext cx="1152128" cy="720080"/>
+          </a:xfrm>
+          <a:prstGeom prst="flowChartDocument">
+            <a:avLst/>
+          </a:prstGeom>
+        </p:spPr>
+        <p:style>
+          <a:lnRef idx="2">
+            <a:schemeClr val="accent1">
+              <a:shade val="50000"/>
+            </a:schemeClr>
+          </a:lnRef>
+          <a:fillRef idx="1">
+            <a:schemeClr val="accent1"/>
+          </a:fillRef>
+          <a:effectRef idx="0">
+            <a:schemeClr val="accent1"/>
+          </a:effectRef>
+          <a:fontRef idx="minor">
+            <a:schemeClr val="lt1"/>
+          </a:fontRef>
+        </p:style>
+        <p:txBody>
+          <a:bodyPr rtlCol="0" anchor="ctr"/>
+          <a:lstStyle/>
+          <a:p>
+            <a:pPr algn="ctr"/>
+            <a:r>
+              <a:rPr lang="en-GB" sz="1600" dirty="0" smtClean="0"/>
+              <a:t>Source Code</a:t>
+            </a:r>
+            <a:endParaRPr lang="en-GB" sz="1600" dirty="0"/>
+          </a:p>
+        </p:txBody>
+      </p:sp>
+      <p:sp>
+        <p:nvSpPr>
+          <p:cNvPr id="16" name="Flowchart: Process 15"/>
+          <p:cNvSpPr/>
+          <p:nvPr/>
+        </p:nvSpPr>
+        <p:spPr>
+          <a:xfrm>
+            <a:off x="2271095" y="2449220"/>
+            <a:ext cx="1512168" cy="576064"/>
+          </a:xfrm>
+          <a:prstGeom prst="flowChartProcess">
+            <a:avLst/>
+          </a:prstGeom>
+        </p:spPr>
+        <p:style>
+          <a:lnRef idx="2">
+            <a:schemeClr val="accent1">
+              <a:shade val="50000"/>
+            </a:schemeClr>
+          </a:lnRef>
+          <a:fillRef idx="1">
+            <a:schemeClr val="accent1"/>
+          </a:fillRef>
+          <a:effectRef idx="0">
+            <a:schemeClr val="accent1"/>
+          </a:effectRef>
+          <a:fontRef idx="minor">
+            <a:schemeClr val="lt1"/>
+          </a:fontRef>
+        </p:style>
+        <p:txBody>
+          <a:bodyPr rtlCol="0" anchor="ctr"/>
+          <a:lstStyle/>
+          <a:p>
+            <a:pPr algn="ctr"/>
+            <a:r>
+              <a:rPr lang="en-GB" sz="1600" dirty="0" err="1" smtClean="0"/>
+              <a:t>Preprocessor</a:t>
+            </a:r>
+            <a:endParaRPr lang="en-GB" sz="1600" dirty="0"/>
+          </a:p>
+        </p:txBody>
+      </p:sp>
+      <p:sp>
+        <p:nvSpPr>
+          <p:cNvPr id="17" name="Flowchart: Document 16"/>
+          <p:cNvSpPr/>
+          <p:nvPr/>
+        </p:nvSpPr>
+        <p:spPr>
+          <a:xfrm>
+            <a:off x="2451115" y="3601348"/>
+            <a:ext cx="1152128" cy="720080"/>
+          </a:xfrm>
+          <a:prstGeom prst="flowChartDocument">
+            <a:avLst/>
+          </a:prstGeom>
+        </p:spPr>
+        <p:style>
+          <a:lnRef idx="2">
+            <a:schemeClr val="accent1">
+              <a:shade val="50000"/>
+            </a:schemeClr>
+          </a:lnRef>
+          <a:fillRef idx="1">
+            <a:schemeClr val="accent1"/>
+          </a:fillRef>
+          <a:effectRef idx="0">
+            <a:schemeClr val="accent1"/>
+          </a:effectRef>
+          <a:fontRef idx="minor">
+            <a:schemeClr val="lt1"/>
+          </a:fontRef>
+        </p:style>
+        <p:txBody>
+          <a:bodyPr rtlCol="0" anchor="ctr"/>
+          <a:lstStyle/>
+          <a:p>
+            <a:pPr algn="ctr"/>
+            <a:r>
+              <a:rPr lang="en-GB" sz="1600" dirty="0" smtClean="0"/>
+              <a:t>Libraries</a:t>
+            </a:r>
+            <a:endParaRPr lang="en-GB" sz="1600" dirty="0"/>
+          </a:p>
+        </p:txBody>
+      </p:sp>
+      <p:sp>
+        <p:nvSpPr>
+          <p:cNvPr id="18" name="Flowchart: Process 17"/>
+          <p:cNvSpPr/>
+          <p:nvPr/>
+        </p:nvSpPr>
+        <p:spPr>
+          <a:xfrm>
+            <a:off x="3995936" y="2449220"/>
+            <a:ext cx="1224136" cy="576064"/>
+          </a:xfrm>
+          <a:prstGeom prst="flowChartProcess">
+            <a:avLst/>
+          </a:prstGeom>
+        </p:spPr>
+        <p:style>
+          <a:lnRef idx="2">
+            <a:schemeClr val="accent1">
+              <a:shade val="50000"/>
+            </a:schemeClr>
+          </a:lnRef>
+          <a:fillRef idx="1">
+            <a:schemeClr val="accent1"/>
+          </a:fillRef>
+          <a:effectRef idx="0">
+            <a:schemeClr val="accent1"/>
+          </a:effectRef>
+          <a:fontRef idx="minor">
+            <a:schemeClr val="lt1"/>
+          </a:fontRef>
+        </p:style>
+        <p:txBody>
+          <a:bodyPr rtlCol="0" anchor="ctr"/>
+          <a:lstStyle/>
+          <a:p>
+            <a:pPr algn="ctr"/>
+            <a:r>
+              <a:rPr lang="en-GB" sz="1600" dirty="0" smtClean="0"/>
+              <a:t>Code Translator</a:t>
+            </a:r>
+            <a:endParaRPr lang="en-GB" sz="1600" dirty="0"/>
+          </a:p>
+        </p:txBody>
+      </p:sp>
+      <p:sp>
+        <p:nvSpPr>
+          <p:cNvPr id="19" name="Flowchart: Process 18"/>
+          <p:cNvSpPr/>
+          <p:nvPr/>
+        </p:nvSpPr>
+        <p:spPr>
+          <a:xfrm>
+            <a:off x="5436096" y="2449220"/>
+            <a:ext cx="1224136" cy="576064"/>
+          </a:xfrm>
+          <a:prstGeom prst="flowChartProcess">
+            <a:avLst/>
+          </a:prstGeom>
+        </p:spPr>
+        <p:style>
+          <a:lnRef idx="2">
+            <a:schemeClr val="accent1">
+              <a:shade val="50000"/>
+            </a:schemeClr>
+          </a:lnRef>
+          <a:fillRef idx="1">
+            <a:schemeClr val="accent1"/>
+          </a:fillRef>
+          <a:effectRef idx="0">
+            <a:schemeClr val="accent1"/>
+          </a:effectRef>
+          <a:fontRef idx="minor">
+            <a:schemeClr val="lt1"/>
+          </a:fontRef>
+        </p:style>
+        <p:txBody>
+          <a:bodyPr rtlCol="0" anchor="ctr"/>
+          <a:lstStyle/>
+          <a:p>
+            <a:pPr algn="ctr"/>
+            <a:r>
+              <a:rPr lang="en-GB" sz="1600" dirty="0" smtClean="0"/>
+              <a:t>Assembler</a:t>
+            </a:r>
+            <a:endParaRPr lang="en-GB" sz="1600" dirty="0"/>
+          </a:p>
+        </p:txBody>
+      </p:sp>
+      <p:sp>
+        <p:nvSpPr>
+          <p:cNvPr id="21" name="TextBox 20"/>
+          <p:cNvSpPr txBox="1"/>
+          <p:nvPr/>
+        </p:nvSpPr>
+        <p:spPr>
+          <a:xfrm>
+            <a:off x="2066182" y="920259"/>
+            <a:ext cx="1874296" cy="338554"/>
+          </a:xfrm>
+          <a:prstGeom prst="rect">
+            <a:avLst/>
+          </a:prstGeom>
+          <a:noFill/>
+        </p:spPr>
+        <p:txBody>
+          <a:bodyPr wrap="none" rtlCol="0">
+            <a:spAutoFit/>
+          </a:bodyPr>
+          <a:lstStyle/>
+          <a:p>
+            <a:r>
+              <a:rPr lang="en-GB" sz="1600" dirty="0" smtClean="0"/>
+              <a:t>High Level Language</a:t>
+            </a:r>
+            <a:endParaRPr lang="en-GB" sz="1600" dirty="0"/>
+          </a:p>
+        </p:txBody>
+      </p:sp>
+      <p:cxnSp>
+        <p:nvCxnSpPr>
+          <p:cNvPr id="27" name="Straight Arrow Connector 26"/>
+          <p:cNvCxnSpPr>
+            <a:stCxn id="18" idx="3"/>
+            <a:endCxn id="19" idx="1"/>
+          </p:cNvCxnSpPr>
+          <p:nvPr/>
+        </p:nvCxnSpPr>
+        <p:spPr>
+          <a:xfrm>
+            <a:off x="5220072" y="2737252"/>
+            <a:ext cx="216024" cy="0"/>
+          </a:xfrm>
+          <a:prstGeom prst="straightConnector1">
+            <a:avLst/>
+          </a:prstGeom>
+          <a:ln>
+            <a:tailEnd type="arrow"/>
+          </a:ln>
+        </p:spPr>
+        <p:style>
+          <a:lnRef idx="1">
+            <a:schemeClr val="accent1"/>
+          </a:lnRef>
+          <a:fillRef idx="0">
+            <a:schemeClr val="accent1"/>
+          </a:fillRef>
+          <a:effectRef idx="0">
+            <a:schemeClr val="accent1"/>
+          </a:effectRef>
+          <a:fontRef idx="minor">
+            <a:schemeClr val="tx1"/>
+          </a:fontRef>
+        </p:style>
+      </p:cxnSp>
+      <p:cxnSp>
+        <p:nvCxnSpPr>
+          <p:cNvPr id="32" name="Straight Arrow Connector 31"/>
+          <p:cNvCxnSpPr/>
+          <p:nvPr/>
+        </p:nvCxnSpPr>
+        <p:spPr>
+          <a:xfrm>
+            <a:off x="3027179" y="1969567"/>
+            <a:ext cx="0" cy="479653"/>
+          </a:xfrm>
+          <a:prstGeom prst="straightConnector1">
+            <a:avLst/>
+          </a:prstGeom>
+          <a:ln>
+            <a:tailEnd type="arrow"/>
+          </a:ln>
+        </p:spPr>
+        <p:style>
+          <a:lnRef idx="1">
+            <a:schemeClr val="accent1"/>
+          </a:lnRef>
+          <a:fillRef idx="0">
+            <a:schemeClr val="accent1"/>
+          </a:fillRef>
+          <a:effectRef idx="0">
+            <a:schemeClr val="accent1"/>
+          </a:effectRef>
+          <a:fontRef idx="minor">
+            <a:schemeClr val="tx1"/>
+          </a:fontRef>
+        </p:style>
+      </p:cxnSp>
+      <p:cxnSp>
+        <p:nvCxnSpPr>
+          <p:cNvPr id="34" name="Straight Arrow Connector 33"/>
+          <p:cNvCxnSpPr/>
+          <p:nvPr/>
+        </p:nvCxnSpPr>
+        <p:spPr>
+          <a:xfrm flipV="1">
+            <a:off x="3027179" y="3025284"/>
+            <a:ext cx="0" cy="576064"/>
+          </a:xfrm>
+          <a:prstGeom prst="straightConnector1">
+            <a:avLst/>
+          </a:prstGeom>
+          <a:ln>
+            <a:tailEnd type="arrow"/>
+          </a:ln>
+        </p:spPr>
+        <p:style>
+          <a:lnRef idx="1">
+            <a:schemeClr val="accent1"/>
+          </a:lnRef>
+          <a:fillRef idx="0">
+            <a:schemeClr val="accent1"/>
+          </a:fillRef>
+          <a:effectRef idx="0">
+            <a:schemeClr val="accent1"/>
+          </a:effectRef>
+          <a:fontRef idx="minor">
+            <a:schemeClr val="tx1"/>
+          </a:fontRef>
+        </p:style>
+      </p:cxnSp>
+      <p:cxnSp>
+        <p:nvCxnSpPr>
+          <p:cNvPr id="36" name="Straight Arrow Connector 35"/>
+          <p:cNvCxnSpPr>
+            <a:stCxn id="16" idx="3"/>
+            <a:endCxn id="18" idx="1"/>
+          </p:cNvCxnSpPr>
+          <p:nvPr/>
+        </p:nvCxnSpPr>
+        <p:spPr>
+          <a:xfrm>
+            <a:off x="3783263" y="2737252"/>
+            <a:ext cx="212673" cy="0"/>
+          </a:xfrm>
+          <a:prstGeom prst="straightConnector1">
+            <a:avLst/>
+          </a:prstGeom>
+          <a:ln>
+            <a:tailEnd type="arrow"/>
+          </a:ln>
+        </p:spPr>
+        <p:style>
+          <a:lnRef idx="1">
+            <a:schemeClr val="accent1"/>
+          </a:lnRef>
+          <a:fillRef idx="0">
+            <a:schemeClr val="accent1"/>
+          </a:fillRef>
+          <a:effectRef idx="0">
+            <a:schemeClr val="accent1"/>
+          </a:effectRef>
+          <a:fontRef idx="minor">
+            <a:schemeClr val="tx1"/>
+          </a:fontRef>
+        </p:style>
+      </p:cxnSp>
+      <p:sp>
+        <p:nvSpPr>
+          <p:cNvPr id="37" name="Flowchart: Document 36"/>
+          <p:cNvSpPr/>
+          <p:nvPr/>
+        </p:nvSpPr>
+        <p:spPr>
+          <a:xfrm>
+            <a:off x="6156176" y="3457332"/>
+            <a:ext cx="1296144" cy="1008112"/>
+          </a:xfrm>
+          <a:prstGeom prst="flowChartDocument">
+            <a:avLst/>
+          </a:prstGeom>
+          <a:solidFill>
+            <a:srgbClr val="00B050"/>
+          </a:solidFill>
+        </p:spPr>
+        <p:style>
+          <a:lnRef idx="2">
+            <a:schemeClr val="accent1">
+              <a:shade val="50000"/>
+            </a:schemeClr>
+          </a:lnRef>
+          <a:fillRef idx="1">
+            <a:schemeClr val="accent1"/>
+          </a:fillRef>
+          <a:effectRef idx="0">
+            <a:schemeClr val="accent1"/>
+          </a:effectRef>
+          <a:fontRef idx="minor">
+            <a:schemeClr val="lt1"/>
+          </a:fontRef>
+        </p:style>
+        <p:txBody>
+          <a:bodyPr lIns="0" tIns="0" rIns="0" bIns="0" rtlCol="0" anchor="t"/>
+          <a:lstStyle/>
+          <a:p>
+            <a:pPr algn="ctr"/>
+            <a:r>
+              <a:rPr lang="en-GB" sz="1600" dirty="0" smtClean="0"/>
+              <a:t>Assembly Language</a:t>
+            </a:r>
+          </a:p>
+          <a:p>
+            <a:pPr algn="ctr"/>
+            <a:r>
+              <a:rPr lang="en-GB" sz="1600" dirty="0" smtClean="0"/>
+              <a:t>file</a:t>
+            </a:r>
+          </a:p>
+          <a:p>
+            <a:pPr algn="ctr"/>
+            <a:endParaRPr lang="en-GB" sz="1600" dirty="0"/>
+          </a:p>
+        </p:txBody>
+      </p:sp>
+      <p:sp>
+        <p:nvSpPr>
+          <p:cNvPr id="38" name="Flowchart: Document 37"/>
+          <p:cNvSpPr/>
+          <p:nvPr/>
+        </p:nvSpPr>
+        <p:spPr>
+          <a:xfrm>
+            <a:off x="7668344" y="3457332"/>
+            <a:ext cx="1296144" cy="1274658"/>
+          </a:xfrm>
+          <a:prstGeom prst="flowChartDocument">
+            <a:avLst/>
+          </a:prstGeom>
+          <a:solidFill>
+            <a:srgbClr val="00B050"/>
+          </a:solidFill>
+        </p:spPr>
+        <p:style>
+          <a:lnRef idx="2">
+            <a:schemeClr val="accent1">
+              <a:shade val="50000"/>
+            </a:schemeClr>
+          </a:lnRef>
+          <a:fillRef idx="1">
+            <a:schemeClr val="accent1"/>
+          </a:fillRef>
+          <a:effectRef idx="0">
+            <a:schemeClr val="accent1"/>
+          </a:effectRef>
+          <a:fontRef idx="minor">
+            <a:schemeClr val="lt1"/>
+          </a:fontRef>
+        </p:style>
+        <p:txBody>
+          <a:bodyPr lIns="0" tIns="0" rIns="0" bIns="0" rtlCol="0" anchor="t"/>
+          <a:lstStyle/>
+          <a:p>
+            <a:pPr algn="ctr"/>
+            <a:r>
+              <a:rPr lang="en-GB" sz="1600" dirty="0" smtClean="0"/>
+              <a:t>Simulator or</a:t>
+            </a:r>
+          </a:p>
+          <a:p>
+            <a:pPr algn="ctr"/>
+            <a:r>
+              <a:rPr lang="en-GB" sz="1600" dirty="0" smtClean="0"/>
+              <a:t>Absolute </a:t>
+            </a:r>
+            <a:r>
+              <a:rPr lang="en-GB" sz="1600" dirty="0" smtClean="0"/>
+              <a:t>Machine Code</a:t>
+            </a:r>
+          </a:p>
+          <a:p>
+            <a:pPr algn="ctr"/>
+            <a:r>
+              <a:rPr lang="en-GB" sz="1600" dirty="0" smtClean="0"/>
+              <a:t>HEX file</a:t>
+            </a:r>
+          </a:p>
+          <a:p>
+            <a:pPr algn="ctr"/>
+            <a:endParaRPr lang="en-GB" sz="1600" dirty="0"/>
+          </a:p>
+        </p:txBody>
+      </p:sp>
+      <p:cxnSp>
+        <p:nvCxnSpPr>
+          <p:cNvPr id="40" name="Shape 39"/>
+          <p:cNvCxnSpPr>
+            <a:stCxn id="19" idx="3"/>
+            <a:endCxn id="37" idx="0"/>
+          </p:cNvCxnSpPr>
+          <p:nvPr/>
+        </p:nvCxnSpPr>
+        <p:spPr>
+          <a:xfrm>
+            <a:off x="6660232" y="2737252"/>
+            <a:ext cx="144016" cy="720080"/>
+          </a:xfrm>
+          <a:prstGeom prst="bentConnector2">
+            <a:avLst/>
+          </a:prstGeom>
+          <a:ln>
+            <a:tailEnd type="arrow"/>
+          </a:ln>
+        </p:spPr>
+        <p:style>
+          <a:lnRef idx="1">
+            <a:schemeClr val="accent1"/>
+          </a:lnRef>
+          <a:fillRef idx="0">
+            <a:schemeClr val="accent1"/>
+          </a:fillRef>
+          <a:effectRef idx="0">
+            <a:schemeClr val="accent1"/>
+          </a:effectRef>
+          <a:fontRef idx="minor">
+            <a:schemeClr val="tx1"/>
+          </a:fontRef>
+        </p:style>
+      </p:cxnSp>
+      <p:cxnSp>
+        <p:nvCxnSpPr>
+          <p:cNvPr id="42" name="Shape 41"/>
+          <p:cNvCxnSpPr>
+            <a:endCxn id="38" idx="0"/>
+          </p:cNvCxnSpPr>
+          <p:nvPr/>
+        </p:nvCxnSpPr>
+        <p:spPr>
+          <a:xfrm rot="16200000" flipH="1">
+            <a:off x="7884368" y="3025284"/>
+            <a:ext cx="720080" cy="144016"/>
+          </a:xfrm>
+          <a:prstGeom prst="bentConnector3">
+            <a:avLst>
+              <a:gd name="adj1" fmla="val 50000"/>
+            </a:avLst>
+          </a:prstGeom>
+          <a:ln>
+            <a:tailEnd type="arrow"/>
+          </a:ln>
+        </p:spPr>
+        <p:style>
+          <a:lnRef idx="1">
+            <a:schemeClr val="accent1"/>
+          </a:lnRef>
+          <a:fillRef idx="0">
+            <a:schemeClr val="accent1"/>
+          </a:fillRef>
+          <a:effectRef idx="0">
+            <a:schemeClr val="accent1"/>
+          </a:effectRef>
+          <a:fontRef idx="minor">
+            <a:schemeClr val="tx1"/>
+          </a:fontRef>
+        </p:style>
+      </p:cxnSp>
+      <p:sp>
+        <p:nvSpPr>
+          <p:cNvPr id="46" name="Title 1"/>
+          <p:cNvSpPr>
+            <a:spLocks noGrp="1"/>
+          </p:cNvSpPr>
+          <p:nvPr>
+            <p:ph type="title"/>
+          </p:nvPr>
+        </p:nvSpPr>
+        <p:spPr>
+          <a:xfrm>
+            <a:off x="0" y="0"/>
+            <a:ext cx="5400600" cy="990600"/>
+          </a:xfrm>
+        </p:spPr>
+        <p:txBody>
+          <a:bodyPr/>
+          <a:lstStyle/>
+          <a:p>
+            <a:pPr algn="l"/>
+            <a:r>
+              <a:rPr lang="en-GB" dirty="0" smtClean="0"/>
+              <a:t>Debugger options</a:t>
+            </a:r>
+            <a:endParaRPr lang="en-GB" dirty="0"/>
+          </a:p>
+        </p:txBody>
+      </p:sp>
+      <p:sp>
+        <p:nvSpPr>
+          <p:cNvPr id="2" name="Content Placeholder 1"/>
+          <p:cNvSpPr>
+            <a:spLocks noGrp="1"/>
+          </p:cNvSpPr>
+          <p:nvPr>
+            <p:ph idx="1"/>
+          </p:nvPr>
+        </p:nvSpPr>
+        <p:spPr/>
+        <p:txBody>
+          <a:bodyPr/>
+          <a:lstStyle/>
+          <a:p>
+            <a:endParaRPr lang="en-GB"/>
+          </a:p>
+        </p:txBody>
+      </p:sp>
+      <p:sp>
+        <p:nvSpPr>
+          <p:cNvPr id="24" name="TextBox 23"/>
+          <p:cNvSpPr txBox="1"/>
+          <p:nvPr/>
+        </p:nvSpPr>
+        <p:spPr>
+          <a:xfrm>
+            <a:off x="6915004" y="2183082"/>
+            <a:ext cx="1255712" cy="830997"/>
+          </a:xfrm>
+          <a:prstGeom prst="rect">
+            <a:avLst/>
+          </a:prstGeom>
+          <a:noFill/>
+          <a:ln w="28575">
+            <a:solidFill>
+              <a:srgbClr val="FF0000"/>
+            </a:solidFill>
+          </a:ln>
+        </p:spPr>
+        <p:txBody>
+          <a:bodyPr wrap="square" rtlCol="0">
+            <a:spAutoFit/>
+          </a:bodyPr>
+          <a:lstStyle/>
+          <a:p>
+            <a:pPr algn="ctr"/>
+            <a:r>
+              <a:rPr lang="en-GB" sz="1200" dirty="0" smtClean="0"/>
+              <a:t>GC CODE DEBUGGER</a:t>
+            </a:r>
+            <a:br>
+              <a:rPr lang="en-GB" sz="1200" dirty="0" smtClean="0"/>
+            </a:br>
+            <a:r>
+              <a:rPr lang="en-GB" sz="1200" dirty="0" smtClean="0"/>
+              <a:t>-------------</a:t>
+            </a:r>
+            <a:br>
+              <a:rPr lang="en-GB" sz="1200" dirty="0" smtClean="0"/>
+            </a:br>
+            <a:r>
+              <a:rPr lang="en-GB" sz="1200" dirty="0" smtClean="0"/>
+              <a:t>PIC-AS </a:t>
+            </a:r>
+            <a:endParaRPr lang="en-GB" sz="1200" dirty="0"/>
+          </a:p>
+        </p:txBody>
+      </p:sp>
+      <p:cxnSp>
+        <p:nvCxnSpPr>
+          <p:cNvPr id="28" name="Shape 27"/>
+          <p:cNvCxnSpPr>
+            <a:stCxn id="37" idx="3"/>
+          </p:cNvCxnSpPr>
+          <p:nvPr/>
+        </p:nvCxnSpPr>
+        <p:spPr>
+          <a:xfrm flipV="1">
+            <a:off x="7452320" y="3025284"/>
+            <a:ext cx="108012" cy="936104"/>
+          </a:xfrm>
+          <a:prstGeom prst="bentConnector2">
+            <a:avLst/>
+          </a:prstGeom>
+          <a:ln>
+            <a:tailEnd type="arrow"/>
+          </a:ln>
+        </p:spPr>
+        <p:style>
+          <a:lnRef idx="1">
+            <a:schemeClr val="accent1"/>
+          </a:lnRef>
+          <a:fillRef idx="0">
+            <a:schemeClr val="accent1"/>
+          </a:fillRef>
+          <a:effectRef idx="0">
+            <a:schemeClr val="accent1"/>
+          </a:effectRef>
+          <a:fontRef idx="minor">
+            <a:schemeClr val="tx1"/>
+          </a:fontRef>
+        </p:style>
+      </p:cxnSp>
+      <p:sp>
+        <p:nvSpPr>
+          <p:cNvPr id="33" name="Flowchart: Document 32"/>
+          <p:cNvSpPr/>
+          <p:nvPr/>
+        </p:nvSpPr>
+        <p:spPr>
+          <a:xfrm>
+            <a:off x="5508104" y="843558"/>
+            <a:ext cx="1296144" cy="720080"/>
+          </a:xfrm>
+          <a:prstGeom prst="flowChartDocument">
+            <a:avLst/>
+          </a:prstGeom>
+          <a:solidFill>
+            <a:srgbClr val="00B050"/>
+          </a:solidFill>
+        </p:spPr>
+        <p:style>
+          <a:lnRef idx="2">
+            <a:schemeClr val="accent1">
+              <a:shade val="50000"/>
+            </a:schemeClr>
+          </a:lnRef>
+          <a:fillRef idx="1">
+            <a:schemeClr val="accent1"/>
+          </a:fillRef>
+          <a:effectRef idx="0">
+            <a:schemeClr val="accent1"/>
+          </a:effectRef>
+          <a:fontRef idx="minor">
+            <a:schemeClr val="lt1"/>
+          </a:fontRef>
+        </p:style>
+        <p:txBody>
+          <a:bodyPr lIns="0" tIns="0" rIns="0" bIns="0" rtlCol="0" anchor="t"/>
+          <a:lstStyle/>
+          <a:p>
+            <a:pPr algn="ctr"/>
+            <a:r>
+              <a:rPr lang="en-GB" sz="1600" dirty="0" smtClean="0"/>
+              <a:t>Reports:</a:t>
+            </a:r>
+          </a:p>
+          <a:p>
+            <a:pPr algn="ctr"/>
+            <a:r>
+              <a:rPr lang="en-GB" sz="1600" dirty="0" smtClean="0"/>
+              <a:t>TXT and HTML</a:t>
+            </a:r>
+          </a:p>
+          <a:p>
+            <a:pPr algn="ctr"/>
+            <a:endParaRPr lang="en-GB" sz="1600" dirty="0"/>
+          </a:p>
+        </p:txBody>
+      </p:sp>
+      <p:cxnSp>
+        <p:nvCxnSpPr>
+          <p:cNvPr id="35" name="Straight Arrow Connector 34"/>
+          <p:cNvCxnSpPr/>
+          <p:nvPr/>
+        </p:nvCxnSpPr>
+        <p:spPr>
+          <a:xfrm flipV="1">
+            <a:off x="6300192" y="1491630"/>
+            <a:ext cx="0" cy="648072"/>
+          </a:xfrm>
+          <a:prstGeom prst="straightConnector1">
+            <a:avLst/>
+          </a:prstGeom>
+          <a:ln>
+            <a:tailEnd type="arrow"/>
+          </a:ln>
+        </p:spPr>
+        <p:style>
+          <a:lnRef idx="1">
+            <a:schemeClr val="accent1"/>
+          </a:lnRef>
+          <a:fillRef idx="0">
+            <a:schemeClr val="accent1"/>
+          </a:fillRef>
+          <a:effectRef idx="0">
+            <a:schemeClr val="accent1"/>
+          </a:effectRef>
+          <a:fontRef idx="minor">
+            <a:schemeClr val="tx1"/>
+          </a:fontRef>
+        </p:style>
+      </p:cxnSp>
+      <p:sp>
+        <p:nvSpPr>
+          <p:cNvPr id="45" name="TextBox 44"/>
+          <p:cNvSpPr txBox="1"/>
+          <p:nvPr/>
+        </p:nvSpPr>
+        <p:spPr>
+          <a:xfrm>
+            <a:off x="3764310" y="1905000"/>
+            <a:ext cx="1807995" cy="353943"/>
+          </a:xfrm>
+          <a:prstGeom prst="rect">
+            <a:avLst/>
+          </a:prstGeom>
+          <a:solidFill>
+            <a:schemeClr val="accent1">
+              <a:lumMod val="20000"/>
+              <a:lumOff val="80000"/>
+            </a:schemeClr>
+          </a:solidFill>
+          <a:ln>
+            <a:solidFill>
+              <a:schemeClr val="accent1"/>
+            </a:solidFill>
+          </a:ln>
+        </p:spPr>
+        <p:txBody>
+          <a:bodyPr wrap="none" rtlCol="0">
+            <a:spAutoFit/>
+          </a:bodyPr>
+          <a:lstStyle/>
+          <a:p>
+            <a:r>
+              <a:rPr lang="en-GB" dirty="0" smtClean="0"/>
+              <a:t>GCBASIC Compiler</a:t>
+            </a:r>
+            <a:endParaRPr lang="en-GB" dirty="0"/>
+          </a:p>
+        </p:txBody>
+      </p:sp>
+      <p:sp>
+        <p:nvSpPr>
+          <p:cNvPr id="26" name="TextBox 25"/>
+          <p:cNvSpPr txBox="1"/>
+          <p:nvPr/>
+        </p:nvSpPr>
+        <p:spPr>
+          <a:xfrm>
+            <a:off x="6836009" y="4659982"/>
+            <a:ext cx="889987" cy="338554"/>
+          </a:xfrm>
+          <a:prstGeom prst="rect">
+            <a:avLst/>
+          </a:prstGeom>
+          <a:noFill/>
+        </p:spPr>
+        <p:txBody>
+          <a:bodyPr wrap="none" rtlCol="0">
+            <a:spAutoFit/>
+          </a:bodyPr>
+          <a:lstStyle/>
+          <a:p>
+            <a:r>
+              <a:rPr lang="en-GB" sz="1600" dirty="0" smtClean="0"/>
+              <a:t>8 bit </a:t>
+            </a:r>
+            <a:r>
+              <a:rPr lang="en-GB" sz="1600" dirty="0" smtClean="0"/>
+              <a:t>PIC</a:t>
+            </a:r>
+            <a:endParaRPr lang="en-GB" sz="1600" dirty="0"/>
+          </a:p>
+        </p:txBody>
+      </p:sp>
+    </p:spTree>
+    <p:extLst>
+      <p:ext uri="{BB962C8B-B14F-4D97-AF65-F5344CB8AC3E}">
+        <p14:creationId xmlns:p14="http://schemas.microsoft.com/office/powerpoint/2010/main" val="2606414051"/>
+      </p:ext>
+    </p:extLst>
+  </p:cSld>
+  <p:clrMapOvr>
+    <a:masterClrMapping/>
+  </p:clrMapOvr>
+  <mc:AlternateContent xmlns:mc="http://schemas.openxmlformats.org/markup-compatibility/2006" xmlns:p14="http://schemas.microsoft.com/office/powerpoint/2010/main">
+    <mc:Choice Requires="p14">
+      <p:transition spd="slow" p14:dur="2000" advClick="0"/>
+    </mc:Choice>
+    <mc:Fallback xmlns="">
+      <p:transition spd="slow" advClick="0"/>
+    </mc:Fallback>
+  </mc:AlternateContent>
+  <p:timing>
+    <p:tnLst>
+      <p:par>
+        <p:cTn id="1" dur="indefinite" restart="never" nodeType="tmRoot"/>
+      </p:par>
+    </p:tnLst>
+  </p:timing>
+</p:sld>
+</file>
+
+<file path=ppt/slides/slide13.xml><?xml version="1.0" encoding="utf-8"?>
 <p:sld xmlns:a="http://schemas.openxmlformats.org/drawingml/2006/main" xmlns:r="http://schemas.openxmlformats.org/officeDocument/2006/relationships" xmlns:p="http://schemas.openxmlformats.org/presentationml/2006/main">
   <p:cSld>
     <p:spTree>
@@ -10728,11 +11729,11 @@
   <p:clrMapOvr>
     <a:masterClrMapping/>
   </p:clrMapOvr>
-  <mc:AlternateContent xmlns:mc="http://schemas.openxmlformats.org/markup-compatibility/2006">
-    <mc:Choice xmlns:p14="http://schemas.microsoft.com/office/powerpoint/2010/main" Requires="p14">
+  <mc:AlternateContent xmlns:mc="http://schemas.openxmlformats.org/markup-compatibility/2006" xmlns:p14="http://schemas.microsoft.com/office/powerpoint/2010/main">
+    <mc:Choice Requires="p14">
       <p:transition spd="slow" p14:dur="2000" advClick="0"/>
     </mc:Choice>
-    <mc:Fallback>
+    <mc:Fallback xmlns="">
       <p:transition spd="slow" advClick="0"/>
     </mc:Fallback>
   </mc:AlternateContent>
@@ -10862,7 +11863,7 @@
 </p:sld>
 </file>
 
-<file path=ppt/slides/slide13.xml><?xml version="1.0" encoding="utf-8"?>
+<file path=ppt/slides/slide14.xml><?xml version="1.0" encoding="utf-8"?>
 <p:sld xmlns:a="http://schemas.openxmlformats.org/drawingml/2006/main" xmlns:r="http://schemas.openxmlformats.org/officeDocument/2006/relationships" xmlns:p="http://schemas.openxmlformats.org/presentationml/2006/main">
   <p:cSld>
     <p:spTree>
@@ -11092,90 +12093,12 @@
   <p:clrMapOvr>
     <a:masterClrMapping/>
   </p:clrMapOvr>
-  <mc:AlternateContent xmlns:mc="http://schemas.openxmlformats.org/markup-compatibility/2006">
-    <mc:Choice xmlns:p14="http://schemas.microsoft.com/office/powerpoint/2010/main" Requires="p14">
+  <mc:AlternateContent xmlns:mc="http://schemas.openxmlformats.org/markup-compatibility/2006" xmlns:p14="http://schemas.microsoft.com/office/powerpoint/2010/main">
+    <mc:Choice Requires="p14">
       <p:transition spd="slow" p14:dur="2000" advClick="0"/>
     </mc:Choice>
-    <mc:Fallback>
+    <mc:Fallback xmlns="">
       <p:transition spd="slow" advClick="0"/>
-    </mc:Fallback>
-  </mc:AlternateContent>
-  <p:timing>
-    <p:tnLst>
-      <p:par>
-        <p:cTn id="1" dur="indefinite" restart="never" nodeType="tmRoot"/>
-      </p:par>
-    </p:tnLst>
-  </p:timing>
-</p:sld>
-</file>
-
-<file path=ppt/slides/slide14.xml><?xml version="1.0" encoding="utf-8"?>
-<p:sld xmlns:a="http://schemas.openxmlformats.org/drawingml/2006/main" xmlns:r="http://schemas.openxmlformats.org/officeDocument/2006/relationships" xmlns:p="http://schemas.openxmlformats.org/presentationml/2006/main">
-  <p:cSld>
-    <p:spTree>
-      <p:nvGrpSpPr>
-        <p:cNvPr id="1" name=""/>
-        <p:cNvGrpSpPr/>
-        <p:nvPr/>
-      </p:nvGrpSpPr>
-      <p:grpSpPr>
-        <a:xfrm>
-          <a:off x="0" y="0"/>
-          <a:ext cx="0" cy="0"/>
-          <a:chOff x="0" y="0"/>
-          <a:chExt cx="0" cy="0"/>
-        </a:xfrm>
-      </p:grpSpPr>
-      <p:sp>
-        <p:nvSpPr>
-          <p:cNvPr id="2" name="Title 1"/>
-          <p:cNvSpPr>
-            <a:spLocks noGrp="1"/>
-          </p:cNvSpPr>
-          <p:nvPr>
-            <p:ph type="title"/>
-          </p:nvPr>
-        </p:nvSpPr>
-        <p:spPr/>
-        <p:txBody>
-          <a:bodyPr/>
-          <a:lstStyle/>
-          <a:p>
-            <a:endParaRPr lang="en-GB" dirty="0"/>
-          </a:p>
-        </p:txBody>
-      </p:sp>
-      <p:sp>
-        <p:nvSpPr>
-          <p:cNvPr id="3" name="Content Placeholder 2"/>
-          <p:cNvSpPr>
-            <a:spLocks noGrp="1"/>
-          </p:cNvSpPr>
-          <p:nvPr>
-            <p:ph idx="1"/>
-          </p:nvPr>
-        </p:nvSpPr>
-        <p:spPr/>
-        <p:txBody>
-          <a:bodyPr/>
-          <a:lstStyle/>
-          <a:p>
-            <a:endParaRPr lang="en-GB" dirty="0"/>
-          </a:p>
-        </p:txBody>
-      </p:sp>
-    </p:spTree>
-  </p:cSld>
-  <p:clrMapOvr>
-    <a:masterClrMapping/>
-  </p:clrMapOvr>
-  <mc:AlternateContent xmlns:mc="http://schemas.openxmlformats.org/markup-compatibility/2006" xmlns:p14="http://schemas.microsoft.com/office/powerpoint/2010/main">
-    <mc:Choice Requires="p14">
-      <p:transition spd="slow" p14:dur="2000"/>
-    </mc:Choice>
-    <mc:Fallback xmlns="">
-      <p:transition spd="slow"/>
     </mc:Fallback>
   </mc:AlternateContent>
   <p:timing>
@@ -11217,6 +12140,84 @@
         </p:nvSpPr>
         <p:spPr/>
         <p:txBody>
+          <a:bodyPr/>
+          <a:lstStyle/>
+          <a:p>
+            <a:endParaRPr lang="en-GB" dirty="0"/>
+          </a:p>
+        </p:txBody>
+      </p:sp>
+      <p:sp>
+        <p:nvSpPr>
+          <p:cNvPr id="3" name="Content Placeholder 2"/>
+          <p:cNvSpPr>
+            <a:spLocks noGrp="1"/>
+          </p:cNvSpPr>
+          <p:nvPr>
+            <p:ph idx="1"/>
+          </p:nvPr>
+        </p:nvSpPr>
+        <p:spPr/>
+        <p:txBody>
+          <a:bodyPr/>
+          <a:lstStyle/>
+          <a:p>
+            <a:endParaRPr lang="en-GB" dirty="0"/>
+          </a:p>
+        </p:txBody>
+      </p:sp>
+    </p:spTree>
+  </p:cSld>
+  <p:clrMapOvr>
+    <a:masterClrMapping/>
+  </p:clrMapOvr>
+  <mc:AlternateContent xmlns:mc="http://schemas.openxmlformats.org/markup-compatibility/2006" xmlns:p14="http://schemas.microsoft.com/office/powerpoint/2010/main">
+    <mc:Choice Requires="p14">
+      <p:transition spd="slow" p14:dur="2000"/>
+    </mc:Choice>
+    <mc:Fallback xmlns="">
+      <p:transition spd="slow"/>
+    </mc:Fallback>
+  </mc:AlternateContent>
+  <p:timing>
+    <p:tnLst>
+      <p:par>
+        <p:cTn id="1" dur="indefinite" restart="never" nodeType="tmRoot"/>
+      </p:par>
+    </p:tnLst>
+  </p:timing>
+</p:sld>
+</file>
+
+<file path=ppt/slides/slide16.xml><?xml version="1.0" encoding="utf-8"?>
+<p:sld xmlns:a="http://schemas.openxmlformats.org/drawingml/2006/main" xmlns:r="http://schemas.openxmlformats.org/officeDocument/2006/relationships" xmlns:p="http://schemas.openxmlformats.org/presentationml/2006/main">
+  <p:cSld>
+    <p:spTree>
+      <p:nvGrpSpPr>
+        <p:cNvPr id="1" name=""/>
+        <p:cNvGrpSpPr/>
+        <p:nvPr/>
+      </p:nvGrpSpPr>
+      <p:grpSpPr>
+        <a:xfrm>
+          <a:off x="0" y="0"/>
+          <a:ext cx="0" cy="0"/>
+          <a:chOff x="0" y="0"/>
+          <a:chExt cx="0" cy="0"/>
+        </a:xfrm>
+      </p:grpSpPr>
+      <p:sp>
+        <p:nvSpPr>
+          <p:cNvPr id="2" name="Title 1"/>
+          <p:cNvSpPr>
+            <a:spLocks noGrp="1"/>
+          </p:cNvSpPr>
+          <p:nvPr>
+            <p:ph type="title"/>
+          </p:nvPr>
+        </p:nvSpPr>
+        <p:spPr/>
+        <p:txBody>
           <a:bodyPr>
             <a:normAutofit/>
           </a:bodyPr>
@@ -11540,8 +12541,13 @@
             </a:pPr>
             <a:r>
               <a:rPr lang="en-GB" sz="1100" b="1" dirty="0"/>
-              <a:t>Assembly , alternatives assemblers and MPLAB-X</a:t>
-            </a:r>
+              <a:t>Assembly , alternatives </a:t>
+            </a:r>
+            <a:r>
+              <a:rPr lang="en-GB" sz="1100" b="1" dirty="0" smtClean="0"/>
+              <a:t>assemblers, GC Code debugging</a:t>
+            </a:r>
+            <a:endParaRPr lang="en-GB" sz="1100" b="1" dirty="0"/>
           </a:p>
           <a:p>
             <a:pPr marL="180000" indent="-478483">
@@ -11661,7 +12667,7 @@
 </p:sld>
 </file>
 
-<file path=ppt/slides/slide16.xml><?xml version="1.0" encoding="utf-8"?>
+<file path=ppt/slides/slide17.xml><?xml version="1.0" encoding="utf-8"?>
 <p:sld xmlns:a="http://schemas.openxmlformats.org/drawingml/2006/main" xmlns:r="http://schemas.openxmlformats.org/officeDocument/2006/relationships" xmlns:p="http://schemas.openxmlformats.org/presentationml/2006/main">
   <p:cSld>
     <p:spTree>
@@ -12000,17 +13006,14 @@
           <a:p>
             <a:r>
               <a:rPr lang="en-GB" dirty="0" smtClean="0"/>
-              <a:t>PIC18FxxQ24</a:t>
-            </a:r>
+              <a:t>PIC16F175xx</a:t>
+            </a:r>
+            <a:endParaRPr lang="en-GB" dirty="0" smtClean="0"/>
           </a:p>
           <a:p>
             <a:r>
               <a:rPr lang="en-GB" dirty="0" smtClean="0"/>
-              <a:t>Part </a:t>
-            </a:r>
-            <a:r>
-              <a:rPr lang="en-GB" dirty="0" smtClean="0"/>
-              <a:t>18 - The GCBASIC Tool Chain</a:t>
+              <a:t>Part 18 - The GCBASIC Tool Chain</a:t>
             </a:r>
             <a:endParaRPr lang="en-GB" dirty="0"/>
           </a:p>
@@ -12018,7 +13021,7 @@
       </p:sp>
       <p:pic>
         <p:nvPicPr>
-          <p:cNvPr id="10" name="Picture 2" descr="PIC18F26Q24"/>
+          <p:cNvPr id="7" name="Picture 4" descr="PIC16F17556 | Microchip Technology"/>
           <p:cNvPicPr>
             <a:picLocks noChangeAspect="1" noChangeArrowheads="1"/>
           </p:cNvPicPr>
@@ -12039,8 +13042,49 @@
         </p:blipFill>
         <p:spPr bwMode="auto">
           <a:xfrm>
-            <a:off x="1907705" y="4116163"/>
-            <a:ext cx="1280738" cy="922132"/>
+            <a:off x="6756864" y="3922804"/>
+            <a:ext cx="2415427" cy="1178257"/>
+          </a:xfrm>
+          <a:prstGeom prst="rect">
+            <a:avLst/>
+          </a:prstGeom>
+          <a:noFill/>
+          <a:extLst>
+            <a:ext uri="{909E8E84-426E-40DD-AFC4-6F175D3DCCD1}">
+              <a14:hiddenFill xmlns:a14="http://schemas.microsoft.com/office/drawing/2010/main">
+                <a:solidFill>
+                  <a:srgbClr val="FFFFFF"/>
+                </a:solidFill>
+              </a14:hiddenFill>
+            </a:ext>
+          </a:extLst>
+        </p:spPr>
+      </p:pic>
+      <p:pic>
+        <p:nvPicPr>
+          <p:cNvPr id="9" name="Picture 8" descr="VQFN / 28"/>
+          <p:cNvPicPr>
+            <a:picLocks noChangeAspect="1" noChangeArrowheads="1"/>
+          </p:cNvPicPr>
+          <p:nvPr/>
+        </p:nvPicPr>
+        <p:blipFill>
+          <a:blip r:embed="rId4">
+            <a:extLst>
+              <a:ext uri="{28A0092B-C50C-407E-A947-70E740481C1C}">
+                <a14:useLocalDpi xmlns:a14="http://schemas.microsoft.com/office/drawing/2010/main" val="0"/>
+              </a:ext>
+            </a:extLst>
+          </a:blip>
+          <a:srcRect/>
+          <a:stretch>
+            <a:fillRect/>
+          </a:stretch>
+        </p:blipFill>
+        <p:spPr bwMode="auto">
+          <a:xfrm>
+            <a:off x="2561760" y="4074815"/>
+            <a:ext cx="1142256" cy="1026246"/>
           </a:xfrm>
           <a:prstGeom prst="rect">
             <a:avLst/>
@@ -12424,17 +13468,14 @@
           <a:p>
             <a:r>
               <a:rPr lang="en-GB" dirty="0" smtClean="0"/>
-              <a:t>PIC18FxxQ24</a:t>
-            </a:r>
+              <a:t>PIC16F175xx</a:t>
+            </a:r>
+            <a:endParaRPr lang="en-GB" dirty="0" smtClean="0"/>
           </a:p>
           <a:p>
             <a:r>
               <a:rPr lang="en-GB" dirty="0" smtClean="0"/>
-              <a:t>Part </a:t>
-            </a:r>
-            <a:r>
-              <a:rPr lang="en-GB" dirty="0" smtClean="0"/>
-              <a:t>18 - The GCBASIC Tool Chain</a:t>
+              <a:t>Part 18 - The GCBASIC Tool Chain</a:t>
             </a:r>
             <a:endParaRPr lang="en-GB" dirty="0"/>
           </a:p>
@@ -12442,7 +13483,7 @@
       </p:sp>
       <p:pic>
         <p:nvPicPr>
-          <p:cNvPr id="10" name="Picture 2" descr="PIC18F26Q24"/>
+          <p:cNvPr id="7" name="Picture 4" descr="PIC16F17556 | Microchip Technology"/>
           <p:cNvPicPr>
             <a:picLocks noChangeAspect="1" noChangeArrowheads="1"/>
           </p:cNvPicPr>
@@ -12463,8 +13504,49 @@
         </p:blipFill>
         <p:spPr bwMode="auto">
           <a:xfrm>
-            <a:off x="1907705" y="4116163"/>
-            <a:ext cx="1280738" cy="922132"/>
+            <a:off x="6756864" y="3922804"/>
+            <a:ext cx="2415427" cy="1178257"/>
+          </a:xfrm>
+          <a:prstGeom prst="rect">
+            <a:avLst/>
+          </a:prstGeom>
+          <a:noFill/>
+          <a:extLst>
+            <a:ext uri="{909E8E84-426E-40DD-AFC4-6F175D3DCCD1}">
+              <a14:hiddenFill xmlns:a14="http://schemas.microsoft.com/office/drawing/2010/main">
+                <a:solidFill>
+                  <a:srgbClr val="FFFFFF"/>
+                </a:solidFill>
+              </a14:hiddenFill>
+            </a:ext>
+          </a:extLst>
+        </p:spPr>
+      </p:pic>
+      <p:pic>
+        <p:nvPicPr>
+          <p:cNvPr id="9" name="Picture 8" descr="VQFN / 28"/>
+          <p:cNvPicPr>
+            <a:picLocks noChangeAspect="1" noChangeArrowheads="1"/>
+          </p:cNvPicPr>
+          <p:nvPr/>
+        </p:nvPicPr>
+        <p:blipFill>
+          <a:blip r:embed="rId4">
+            <a:extLst>
+              <a:ext uri="{28A0092B-C50C-407E-A947-70E740481C1C}">
+                <a14:useLocalDpi xmlns:a14="http://schemas.microsoft.com/office/drawing/2010/main" val="0"/>
+              </a:ext>
+            </a:extLst>
+          </a:blip>
+          <a:srcRect/>
+          <a:stretch>
+            <a:fillRect/>
+          </a:stretch>
+        </p:blipFill>
+        <p:spPr bwMode="auto">
+          <a:xfrm>
+            <a:off x="2561760" y="4074815"/>
+            <a:ext cx="1142256" cy="1026246"/>
           </a:xfrm>
           <a:prstGeom prst="rect">
             <a:avLst/>
@@ -12677,9 +13759,38 @@
           </a:p>
         </p:txBody>
       </p:sp>
+      <p:sp>
+        <p:nvSpPr>
+          <p:cNvPr id="11" name="Date Placeholder 3"/>
+          <p:cNvSpPr>
+            <a:spLocks noGrp="1"/>
+          </p:cNvSpPr>
+          <p:nvPr>
+            <p:ph type="dt" sz="half" idx="10"/>
+          </p:nvPr>
+        </p:nvSpPr>
+        <p:spPr>
+          <a:xfrm>
+            <a:off x="6113182" y="4384422"/>
+            <a:ext cx="354882" cy="305233"/>
+          </a:xfrm>
+        </p:spPr>
+        <p:txBody>
+          <a:bodyPr/>
+          <a:lstStyle/>
+          <a:p>
+            <a:fld id="{1E700B27-DE4C-4B9E-BB11-B9027034A00F}" type="datetimeFigureOut">
+              <a:rPr lang="en-US" smtClean="0"/>
+              <a:pPr/>
+              <a:t>12/18/2025</a:t>
+            </a:fld>
+            <a:endParaRPr lang="en-US" dirty="0"/>
+          </a:p>
+        </p:txBody>
+      </p:sp>
       <p:pic>
         <p:nvPicPr>
-          <p:cNvPr id="8" name="Picture 2" descr="PIC18F26Q24"/>
+          <p:cNvPr id="9" name="Picture 4" descr="PIC16F17556 | Microchip Technology"/>
           <p:cNvPicPr>
             <a:picLocks noChangeAspect="1" noChangeArrowheads="1"/>
           </p:cNvPicPr>
@@ -12700,8 +13811,8 @@
         </p:blipFill>
         <p:spPr bwMode="auto">
           <a:xfrm>
-            <a:off x="1907705" y="4116163"/>
-            <a:ext cx="1280738" cy="922132"/>
+            <a:off x="6756864" y="3922804"/>
+            <a:ext cx="2415427" cy="1178257"/>
           </a:xfrm>
           <a:prstGeom prst="rect">
             <a:avLst/>
@@ -12720,7 +13831,7 @@
       </p:pic>
       <p:pic>
         <p:nvPicPr>
-          <p:cNvPr id="10" name="Picture 8" descr="C:\Users\admin\OneDrive\Desktop\Picture1.jpg"/>
+          <p:cNvPr id="12" name="Picture 11" descr="VQFN / 28"/>
           <p:cNvPicPr>
             <a:picLocks noChangeAspect="1" noChangeArrowheads="1"/>
           </p:cNvPicPr>
@@ -12741,8 +13852,8 @@
         </p:blipFill>
         <p:spPr bwMode="auto">
           <a:xfrm>
-            <a:off x="3995936" y="3937587"/>
-            <a:ext cx="2320300" cy="1129258"/>
+            <a:off x="2561760" y="4074815"/>
+            <a:ext cx="1142256" cy="1026246"/>
           </a:xfrm>
           <a:prstGeom prst="rect">
             <a:avLst/>
@@ -12759,35 +13870,6 @@
           </a:extLst>
         </p:spPr>
       </p:pic>
-      <p:sp>
-        <p:nvSpPr>
-          <p:cNvPr id="11" name="Date Placeholder 3"/>
-          <p:cNvSpPr>
-            <a:spLocks noGrp="1"/>
-          </p:cNvSpPr>
-          <p:nvPr>
-            <p:ph type="dt" sz="half" idx="10"/>
-          </p:nvPr>
-        </p:nvSpPr>
-        <p:spPr>
-          <a:xfrm>
-            <a:off x="6113182" y="4384422"/>
-            <a:ext cx="354882" cy="305233"/>
-          </a:xfrm>
-        </p:spPr>
-        <p:txBody>
-          <a:bodyPr/>
-          <a:lstStyle/>
-          <a:p>
-            <a:fld id="{1E700B27-DE4C-4B9E-BB11-B9027034A00F}" type="datetimeFigureOut">
-              <a:rPr lang="en-US" smtClean="0"/>
-              <a:pPr/>
-              <a:t>12/14/2024</a:t>
-            </a:fld>
-            <a:endParaRPr lang="en-US" dirty="0"/>
-          </a:p>
-        </p:txBody>
-      </p:sp>
     </p:spTree>
     <p:extLst>
       <p:ext uri="{BB962C8B-B14F-4D97-AF65-F5344CB8AC3E}">
@@ -12817,7 +13899,7 @@
 </file>
 
 <file path=ppt/slides/slide4.xml><?xml version="1.0" encoding="utf-8"?>
-<p:sld xmlns:a="http://schemas.openxmlformats.org/drawingml/2006/main" xmlns:r="http://schemas.openxmlformats.org/officeDocument/2006/relationships" xmlns:p="http://schemas.openxmlformats.org/presentationml/2006/main" show="0">
+<p:sld xmlns:a="http://schemas.openxmlformats.org/drawingml/2006/main" xmlns:r="http://schemas.openxmlformats.org/officeDocument/2006/relationships" xmlns:p="http://schemas.openxmlformats.org/presentationml/2006/main">
   <p:cSld>
     <p:spTree>
       <p:nvGrpSpPr>
@@ -12845,13 +13927,14 @@
         </p:nvSpPr>
         <p:spPr/>
         <p:txBody>
-          <a:bodyPr/>
+          <a:bodyPr>
+            <a:normAutofit/>
+          </a:bodyPr>
           <a:lstStyle/>
           <a:p>
-            <a:pPr algn="l"/>
             <a:r>
               <a:rPr lang="en-GB" dirty="0" smtClean="0"/>
-              <a:t>PIC18FxxQ24</a:t>
+              <a:t>Videos...</a:t>
             </a:r>
             <a:endParaRPr lang="en-GB" dirty="0"/>
           </a:p>
@@ -12867,91 +13950,414 @@
             <p:ph idx="1"/>
           </p:nvPr>
         </p:nvSpPr>
-        <p:spPr/>
+        <p:spPr>
+          <a:xfrm>
+            <a:off x="467544" y="987574"/>
+            <a:ext cx="6447501" cy="4111476"/>
+          </a:xfrm>
+          <a:solidFill>
+            <a:schemeClr val="bg1"/>
+          </a:solidFill>
+        </p:spPr>
         <p:txBody>
           <a:bodyPr>
-            <a:normAutofit fontScale="92500" lnSpcReduction="10000"/>
+            <a:noAutofit/>
           </a:bodyPr>
           <a:lstStyle/>
           <a:p>
-            <a:r>
-              <a:rPr lang="en-GB" dirty="0" smtClean="0"/>
-              <a:t>PIC18-Q24 is a high performance PIC18 </a:t>
-            </a:r>
-          </a:p>
-          <a:p>
-            <a:pPr lvl="1"/>
-            <a:r>
-              <a:rPr lang="en-GB" dirty="0" smtClean="0"/>
-              <a:t>Digital and Analog peripherals </a:t>
-            </a:r>
-          </a:p>
-          <a:p>
-            <a:pPr lvl="1"/>
-            <a:r>
-              <a:rPr lang="en-GB" dirty="0" smtClean="0"/>
-              <a:t>10-bit ADC</a:t>
-            </a:r>
-          </a:p>
-          <a:p>
-            <a:pPr lvl="1"/>
-            <a:r>
-              <a:rPr lang="en-GB" dirty="0" smtClean="0"/>
-              <a:t>Multiple communication interfaces</a:t>
-            </a:r>
-          </a:p>
-          <a:p>
-            <a:pPr lvl="2"/>
-            <a:r>
-              <a:rPr lang="en-GB" dirty="0" smtClean="0"/>
-              <a:t>Serial, I2C and  SPI </a:t>
-            </a:r>
-          </a:p>
-          <a:p>
-            <a:pPr lvl="2"/>
-            <a:r>
-              <a:rPr lang="en-GB" dirty="0" smtClean="0"/>
-              <a:t>PWM – CCP/PWM and 16Bit</a:t>
-            </a:r>
-          </a:p>
-          <a:p>
-            <a:pPr lvl="1"/>
-            <a:r>
-              <a:rPr lang="en-GB" dirty="0" smtClean="0"/>
-              <a:t>Configurable Logic Cells</a:t>
-            </a:r>
-          </a:p>
-          <a:p>
-            <a:pPr lvl="1"/>
-            <a:r>
-              <a:rPr lang="en-GB" dirty="0" smtClean="0"/>
-              <a:t>Multi voltage domains</a:t>
-            </a:r>
-          </a:p>
-          <a:p>
-            <a:endParaRPr lang="en-GB" dirty="0" smtClean="0"/>
-          </a:p>
-          <a:p>
-            <a:r>
-              <a:rPr lang="en-GB" dirty="0" smtClean="0"/>
-              <a:t>The PIC18xxQ24 offers 28, 40 and 48-pin products in small footprint packages to support customers in a wide variety of applications. </a:t>
-            </a:r>
-          </a:p>
-          <a:p>
-            <a:endParaRPr lang="en-GB" dirty="0"/>
+            <a:pPr marL="180000" indent="-478483">
+              <a:spcBef>
+                <a:spcPts val="300"/>
+              </a:spcBef>
+              <a:buFont typeface="+mj-lt"/>
+              <a:buAutoNum type="arabicPeriod"/>
+            </a:pPr>
+            <a:r>
+              <a:rPr lang="en-GB" sz="1100" dirty="0"/>
+              <a:t>Install the hardware and make the board work – three LED programs</a:t>
+            </a:r>
+          </a:p>
+          <a:p>
+            <a:pPr marL="180000" indent="-478483">
+              <a:spcBef>
+                <a:spcPts val="300"/>
+              </a:spcBef>
+              <a:buFont typeface="+mj-lt"/>
+              <a:buAutoNum type="arabicPeriod"/>
+            </a:pPr>
+            <a:r>
+              <a:rPr lang="en-GB" sz="1100" dirty="0"/>
+              <a:t>Make  four LEDs flash in a sequence</a:t>
+            </a:r>
+          </a:p>
+          <a:p>
+            <a:pPr marL="180000" indent="-478483">
+              <a:spcBef>
+                <a:spcPts val="300"/>
+              </a:spcBef>
+              <a:buFont typeface="+mj-lt"/>
+              <a:buAutoNum type="arabicPeriod"/>
+            </a:pPr>
+            <a:r>
+              <a:rPr lang="en-GB" sz="1100" dirty="0"/>
+              <a:t>Set the LEDs to represent the value of ADC</a:t>
+            </a:r>
+          </a:p>
+          <a:p>
+            <a:pPr marL="180000" indent="-478483">
+              <a:spcBef>
+                <a:spcPts val="300"/>
+              </a:spcBef>
+              <a:buFont typeface="+mj-lt"/>
+              <a:buAutoNum type="arabicPeriod"/>
+            </a:pPr>
+            <a:r>
+              <a:rPr lang="en-GB" sz="1100" dirty="0"/>
+              <a:t>Sequence the LEDs with a delay using the value of ADC</a:t>
+            </a:r>
+          </a:p>
+          <a:p>
+            <a:pPr marL="180000" indent="-478483">
+              <a:spcBef>
+                <a:spcPts val="300"/>
+              </a:spcBef>
+              <a:buFont typeface="+mj-lt"/>
+              <a:buAutoNum type="arabicPeriod"/>
+            </a:pPr>
+            <a:r>
+              <a:rPr lang="en-GB" sz="1100" dirty="0"/>
+              <a:t>Using an input to set the state of the LEDs</a:t>
+            </a:r>
+          </a:p>
+          <a:p>
+            <a:pPr marL="180000" indent="-478483">
+              <a:spcBef>
+                <a:spcPts val="300"/>
+              </a:spcBef>
+              <a:buFont typeface="+mj-lt"/>
+              <a:buAutoNum type="arabicPeriod"/>
+            </a:pPr>
+            <a:r>
+              <a:rPr lang="en-GB" sz="1100" dirty="0"/>
+              <a:t>Using the reset switch</a:t>
+            </a:r>
+          </a:p>
+          <a:p>
+            <a:pPr marL="180000" indent="-478483">
+              <a:spcBef>
+                <a:spcPts val="300"/>
+              </a:spcBef>
+              <a:buFont typeface="+mj-lt"/>
+              <a:buAutoNum type="arabicPeriod"/>
+            </a:pPr>
+            <a:r>
+              <a:rPr lang="en-GB" sz="1100" dirty="0"/>
+              <a:t>Using the switch, ADC – make the LEDs flash in a sequence with reverse</a:t>
+            </a:r>
+          </a:p>
+          <a:p>
+            <a:pPr marL="180000" indent="-478483">
+              <a:spcBef>
+                <a:spcPts val="300"/>
+              </a:spcBef>
+              <a:buFont typeface="+mj-lt"/>
+              <a:buAutoNum type="arabicPeriod"/>
+            </a:pPr>
+            <a:r>
+              <a:rPr lang="en-GB" sz="1100" dirty="0"/>
+              <a:t>Using the serial to display values</a:t>
+            </a:r>
+          </a:p>
+          <a:p>
+            <a:pPr marL="180000" indent="-478483">
+              <a:spcBef>
+                <a:spcPts val="300"/>
+              </a:spcBef>
+              <a:buFont typeface="+mj-lt"/>
+              <a:buAutoNum type="arabicPeriod"/>
+            </a:pPr>
+            <a:r>
+              <a:rPr lang="en-GB" sz="1100" dirty="0"/>
+              <a:t>Using the </a:t>
+            </a:r>
+            <a:r>
+              <a:rPr lang="en-GB" sz="1100" dirty="0" smtClean="0"/>
+              <a:t>timer0 </a:t>
+            </a:r>
+            <a:r>
+              <a:rPr lang="en-GB" sz="1100" dirty="0"/>
+              <a:t>overflow, 8bit timer, 16bit timer to flash the LEDs</a:t>
+            </a:r>
+          </a:p>
+          <a:p>
+            <a:pPr marL="180000" indent="-478483">
+              <a:spcBef>
+                <a:spcPts val="300"/>
+              </a:spcBef>
+              <a:buFont typeface="+mj-lt"/>
+              <a:buAutoNum type="arabicPeriod"/>
+            </a:pPr>
+            <a:r>
+              <a:rPr lang="en-GB" sz="1100" dirty="0"/>
+              <a:t>Using EEProm – showing values on the serial terminal, and more constants insights</a:t>
+            </a:r>
+          </a:p>
+          <a:p>
+            <a:pPr marL="180000" indent="-478483">
+              <a:spcBef>
+                <a:spcPts val="300"/>
+              </a:spcBef>
+              <a:buFont typeface="+mj-lt"/>
+              <a:buAutoNum type="arabicPeriod"/>
+            </a:pPr>
+            <a:r>
+              <a:rPr lang="en-GB" sz="1100" dirty="0"/>
+              <a:t>Using I2C with serial to discover I2C devices</a:t>
+            </a:r>
+          </a:p>
+          <a:p>
+            <a:pPr marL="180000" indent="-478483">
+              <a:spcBef>
+                <a:spcPts val="300"/>
+              </a:spcBef>
+              <a:buFont typeface="+mj-lt"/>
+              <a:buAutoNum type="arabicPeriod"/>
+            </a:pPr>
+            <a:r>
+              <a:rPr lang="en-GB" sz="1100" dirty="0"/>
+              <a:t>Using </a:t>
+            </a:r>
+            <a:r>
+              <a:rPr lang="en-GB" sz="1100" dirty="0" smtClean="0"/>
+              <a:t>I2C </a:t>
+            </a:r>
+            <a:r>
+              <a:rPr lang="en-GB" sz="1100" dirty="0"/>
+              <a:t>GCLD </a:t>
+            </a:r>
+            <a:r>
+              <a:rPr lang="en-GB" sz="1100" dirty="0" smtClean="0"/>
+              <a:t>display solutions</a:t>
+            </a:r>
+            <a:endParaRPr lang="en-GB" sz="1100" dirty="0"/>
+          </a:p>
+          <a:p>
+            <a:pPr marL="180000" indent="-478483">
+              <a:spcBef>
+                <a:spcPts val="300"/>
+              </a:spcBef>
+              <a:buFont typeface="+mj-lt"/>
+              <a:buAutoNum type="arabicPeriod"/>
+            </a:pPr>
+            <a:r>
+              <a:rPr lang="en-GB" sz="1100" dirty="0"/>
+              <a:t>Using a </a:t>
+            </a:r>
+            <a:r>
+              <a:rPr lang="en-GB" sz="1100" dirty="0" smtClean="0"/>
+              <a:t>SPI GLCD  display solutions</a:t>
+            </a:r>
+            <a:endParaRPr lang="en-GB" sz="1100" dirty="0"/>
+          </a:p>
+          <a:p>
+            <a:pPr marL="180000" indent="-478483">
+              <a:spcBef>
+                <a:spcPts val="300"/>
+              </a:spcBef>
+              <a:buFont typeface="+mj-lt"/>
+              <a:buAutoNum type="arabicPeriod"/>
+            </a:pPr>
+            <a:r>
+              <a:rPr lang="en-GB" sz="1100" dirty="0"/>
+              <a:t>Using PWM, </a:t>
+            </a:r>
+            <a:r>
+              <a:rPr lang="en-GB" sz="1100" dirty="0" smtClean="0"/>
+              <a:t>6  </a:t>
+            </a:r>
+            <a:r>
+              <a:rPr lang="en-GB" sz="1100" dirty="0"/>
+              <a:t>ways,  to dim the LEDS</a:t>
+            </a:r>
+          </a:p>
+          <a:p>
+            <a:pPr marL="180000" indent="-478483">
+              <a:spcBef>
+                <a:spcPts val="300"/>
+              </a:spcBef>
+              <a:buFont typeface="+mj-lt"/>
+              <a:buAutoNum type="arabicPeriod"/>
+            </a:pPr>
+            <a:r>
+              <a:rPr lang="en-GB" sz="1100" dirty="0"/>
+              <a:t>Using an external interrupt to control an LED</a:t>
+            </a:r>
+          </a:p>
+          <a:p>
+            <a:pPr marL="180000" indent="-478483">
+              <a:spcBef>
+                <a:spcPts val="300"/>
+              </a:spcBef>
+              <a:buFont typeface="+mj-lt"/>
+              <a:buAutoNum type="arabicPeriod"/>
+            </a:pPr>
+            <a:r>
+              <a:rPr lang="en-GB" sz="1100" dirty="0"/>
+              <a:t>Using storage within the </a:t>
+            </a:r>
+            <a:r>
+              <a:rPr lang="en-GB" sz="1100" dirty="0" smtClean="0"/>
+              <a:t>chip</a:t>
+            </a:r>
+          </a:p>
+          <a:p>
+            <a:pPr marL="180000" indent="-478483">
+              <a:spcBef>
+                <a:spcPts val="300"/>
+              </a:spcBef>
+              <a:buFont typeface="+mj-lt"/>
+              <a:buAutoNum type="arabicPeriod"/>
+            </a:pPr>
+            <a:r>
+              <a:rPr lang="en-GB" sz="1100" dirty="0"/>
+              <a:t>Using CLC</a:t>
+            </a:r>
+          </a:p>
+          <a:p>
+            <a:pPr marL="180000" indent="-478483">
+              <a:spcBef>
+                <a:spcPts val="300"/>
+              </a:spcBef>
+              <a:buFont typeface="+mj-lt"/>
+              <a:buAutoNum type="arabicPeriod"/>
+            </a:pPr>
+            <a:r>
+              <a:rPr lang="en-GB" sz="1100" b="1" dirty="0" smtClean="0"/>
+              <a:t>The </a:t>
+            </a:r>
+            <a:r>
+              <a:rPr lang="en-GB" sz="1100" b="1" dirty="0"/>
+              <a:t>GCBASIC tool chain</a:t>
+            </a:r>
+          </a:p>
+          <a:p>
+            <a:pPr marL="180000" indent="-478483">
+              <a:spcBef>
+                <a:spcPts val="300"/>
+              </a:spcBef>
+              <a:buFont typeface="+mj-lt"/>
+              <a:buAutoNum type="arabicPeriod"/>
+            </a:pPr>
+            <a:r>
+              <a:rPr lang="en-GB" sz="1100" dirty="0"/>
+              <a:t>Assembly , alternatives assemblers and MPLAB-X</a:t>
+            </a:r>
+          </a:p>
+          <a:p>
+            <a:pPr marL="180000" indent="-478483">
+              <a:spcBef>
+                <a:spcPts val="300"/>
+              </a:spcBef>
+              <a:buFont typeface="+mj-lt"/>
+              <a:buAutoNum type="arabicPeriod"/>
+            </a:pPr>
+            <a:r>
+              <a:rPr lang="en-GB" sz="1100" dirty="0"/>
+              <a:t>Summary</a:t>
+            </a:r>
+          </a:p>
+          <a:p>
+            <a:pPr marL="180000" indent="-478483">
+              <a:spcBef>
+                <a:spcPts val="300"/>
+              </a:spcBef>
+              <a:buFont typeface="+mj-lt"/>
+              <a:buAutoNum type="arabicPeriod"/>
+            </a:pPr>
+            <a:endParaRPr lang="en-GB" sz="400" dirty="0" smtClean="0">
+              <a:solidFill>
+                <a:schemeClr val="bg1">
+                  <a:lumMod val="75000"/>
+                </a:schemeClr>
+              </a:solidFill>
+            </a:endParaRPr>
+          </a:p>
+          <a:p>
+            <a:pPr marL="180000" indent="-478483">
+              <a:spcBef>
+                <a:spcPts val="300"/>
+              </a:spcBef>
+              <a:buNone/>
+            </a:pPr>
+            <a:endParaRPr lang="en-GB" sz="700" dirty="0" smtClean="0"/>
+          </a:p>
+          <a:p>
+            <a:pPr marL="180000" indent="-478483">
+              <a:spcBef>
+                <a:spcPts val="300"/>
+              </a:spcBef>
+              <a:buFont typeface="+mj-lt"/>
+              <a:buAutoNum type="arabicPeriod"/>
+            </a:pPr>
+            <a:endParaRPr lang="en-GB" sz="700" dirty="0" smtClean="0"/>
+          </a:p>
+          <a:p>
+            <a:pPr marL="180000" indent="-478483">
+              <a:spcBef>
+                <a:spcPts val="300"/>
+              </a:spcBef>
+              <a:buFont typeface="+mj-lt"/>
+              <a:buAutoNum type="arabicPeriod"/>
+            </a:pPr>
+            <a:endParaRPr lang="en-GB" sz="500" dirty="0" smtClean="0"/>
+          </a:p>
+          <a:p>
+            <a:pPr marL="180000" indent="-478483">
+              <a:spcBef>
+                <a:spcPts val="300"/>
+              </a:spcBef>
+              <a:buFont typeface="+mj-lt"/>
+              <a:buAutoNum type="arabicPeriod"/>
+            </a:pPr>
+            <a:endParaRPr lang="en-GB" sz="500" dirty="0" smtClean="0"/>
+          </a:p>
+          <a:p>
+            <a:pPr marL="180000" indent="-478483">
+              <a:spcBef>
+                <a:spcPts val="300"/>
+              </a:spcBef>
+              <a:buFont typeface="+mj-lt"/>
+              <a:buAutoNum type="arabicPeriod"/>
+            </a:pPr>
+            <a:endParaRPr lang="en-GB" sz="500" dirty="0" smtClean="0"/>
+          </a:p>
+          <a:p>
+            <a:pPr marL="180000" indent="-478483">
+              <a:spcBef>
+                <a:spcPts val="300"/>
+              </a:spcBef>
+              <a:buFont typeface="+mj-lt"/>
+              <a:buAutoNum type="arabicPeriod"/>
+            </a:pPr>
+            <a:endParaRPr lang="en-GB" sz="500" dirty="0"/>
           </a:p>
         </p:txBody>
       </p:sp>
     </p:spTree>
+    <p:extLst>
+      <p:ext uri="{BB962C8B-B14F-4D97-AF65-F5344CB8AC3E}">
+        <p14:creationId xmlns:p14="http://schemas.microsoft.com/office/powerpoint/2010/main" val="1947865557"/>
+      </p:ext>
+    </p:extLst>
   </p:cSld>
   <p:clrMapOvr>
     <a:masterClrMapping/>
   </p:clrMapOvr>
-  <mc:AlternateContent xmlns:mc="http://schemas.openxmlformats.org/markup-compatibility/2006">
-    <mc:Choice xmlns:p14="http://schemas.microsoft.com/office/powerpoint/2010/main" Requires="p14">
+  <mc:AlternateContent xmlns:mc="http://schemas.openxmlformats.org/markup-compatibility/2006" xmlns:p14="http://schemas.microsoft.com/office/powerpoint/2010/main">
+    <mc:Choice Requires="p14">
       <p:transition spd="slow" p14:dur="2000"/>
     </mc:Choice>
-    <mc:Fallback>
+    <mc:Fallback xmlns="">
       <p:transition spd="slow"/>
     </mc:Fallback>
   </mc:AlternateContent>
@@ -12994,14 +14400,13 @@
         </p:nvSpPr>
         <p:spPr/>
         <p:txBody>
-          <a:bodyPr>
-            <a:normAutofit/>
-          </a:bodyPr>
+          <a:bodyPr/>
           <a:lstStyle/>
           <a:p>
+            <a:pPr algn="l"/>
             <a:r>
               <a:rPr lang="en-GB" dirty="0" smtClean="0"/>
-              <a:t>Videos...</a:t>
+              <a:t>PIC16F175xx</a:t>
             </a:r>
             <a:endParaRPr lang="en-GB" dirty="0"/>
           </a:p>
@@ -13017,403 +14422,134 @@
             <p:ph idx="1"/>
           </p:nvPr>
         </p:nvSpPr>
-        <p:spPr>
-          <a:xfrm>
-            <a:off x="467544" y="987574"/>
-            <a:ext cx="6447501" cy="4111476"/>
-          </a:xfrm>
-          <a:solidFill>
-            <a:schemeClr val="bg1"/>
-          </a:solidFill>
-        </p:spPr>
+        <p:spPr/>
         <p:txBody>
           <a:bodyPr>
-            <a:noAutofit/>
+            <a:normAutofit fontScale="92500"/>
           </a:bodyPr>
           <a:lstStyle/>
           <a:p>
-            <a:pPr marL="180000" indent="-478483">
-              <a:spcBef>
-                <a:spcPts val="300"/>
-              </a:spcBef>
-              <a:buFont typeface="+mj-lt"/>
-              <a:buAutoNum type="arabicPeriod"/>
-            </a:pPr>
-            <a:r>
-              <a:rPr lang="en-GB" sz="1100" dirty="0"/>
-              <a:t>Install the hardware and make the board work – three LED programs</a:t>
-            </a:r>
-          </a:p>
-          <a:p>
-            <a:pPr marL="180000" indent="-478483">
-              <a:spcBef>
-                <a:spcPts val="300"/>
-              </a:spcBef>
-              <a:buFont typeface="+mj-lt"/>
-              <a:buAutoNum type="arabicPeriod"/>
-            </a:pPr>
-            <a:r>
-              <a:rPr lang="en-GB" sz="1100" dirty="0"/>
-              <a:t>Make  four LEDs flash in a sequence</a:t>
-            </a:r>
-          </a:p>
-          <a:p>
-            <a:pPr marL="180000" indent="-478483">
-              <a:spcBef>
-                <a:spcPts val="300"/>
-              </a:spcBef>
-              <a:buFont typeface="+mj-lt"/>
-              <a:buAutoNum type="arabicPeriod"/>
-            </a:pPr>
-            <a:r>
-              <a:rPr lang="en-GB" sz="1100" dirty="0"/>
-              <a:t>Set the LEDs to represent the value of ADC</a:t>
-            </a:r>
-          </a:p>
-          <a:p>
-            <a:pPr marL="180000" indent="-478483">
-              <a:spcBef>
-                <a:spcPts val="300"/>
-              </a:spcBef>
-              <a:buFont typeface="+mj-lt"/>
-              <a:buAutoNum type="arabicPeriod"/>
-            </a:pPr>
-            <a:r>
-              <a:rPr lang="en-GB" sz="1100" dirty="0"/>
-              <a:t>Sequence the LEDs with a delay using the value of ADC</a:t>
-            </a:r>
-          </a:p>
-          <a:p>
-            <a:pPr marL="180000" indent="-478483">
-              <a:spcBef>
-                <a:spcPts val="300"/>
-              </a:spcBef>
-              <a:buFont typeface="+mj-lt"/>
-              <a:buAutoNum type="arabicPeriod"/>
-            </a:pPr>
-            <a:r>
-              <a:rPr lang="en-GB" sz="1100" dirty="0"/>
-              <a:t>Using an input to set the state of the LEDs</a:t>
-            </a:r>
-          </a:p>
-          <a:p>
-            <a:pPr marL="180000" indent="-478483">
-              <a:spcBef>
-                <a:spcPts val="300"/>
-              </a:spcBef>
-              <a:buFont typeface="+mj-lt"/>
-              <a:buAutoNum type="arabicPeriod"/>
-            </a:pPr>
-            <a:r>
-              <a:rPr lang="en-GB" sz="1100" dirty="0"/>
-              <a:t>Using the reset switch</a:t>
-            </a:r>
-          </a:p>
-          <a:p>
-            <a:pPr marL="180000" indent="-478483">
-              <a:spcBef>
-                <a:spcPts val="300"/>
-              </a:spcBef>
-              <a:buFont typeface="+mj-lt"/>
-              <a:buAutoNum type="arabicPeriod"/>
-            </a:pPr>
-            <a:r>
-              <a:rPr lang="en-GB" sz="1100" dirty="0"/>
-              <a:t>Using the switch, ADC – make the LEDs flash in a sequence with reverse</a:t>
-            </a:r>
-          </a:p>
-          <a:p>
-            <a:pPr marL="180000" indent="-478483">
-              <a:spcBef>
-                <a:spcPts val="300"/>
-              </a:spcBef>
-              <a:buFont typeface="+mj-lt"/>
-              <a:buAutoNum type="arabicPeriod"/>
-            </a:pPr>
-            <a:r>
-              <a:rPr lang="en-GB" sz="1100" dirty="0"/>
-              <a:t>Using the serial to display values</a:t>
-            </a:r>
-          </a:p>
-          <a:p>
-            <a:pPr marL="180000" indent="-478483">
-              <a:spcBef>
-                <a:spcPts val="300"/>
-              </a:spcBef>
-              <a:buFont typeface="+mj-lt"/>
-              <a:buAutoNum type="arabicPeriod"/>
-            </a:pPr>
-            <a:r>
-              <a:rPr lang="en-GB" sz="1100" dirty="0"/>
-              <a:t>Using the </a:t>
-            </a:r>
-            <a:r>
-              <a:rPr lang="en-GB" sz="1100" dirty="0" smtClean="0"/>
-              <a:t>timer0 </a:t>
-            </a:r>
-            <a:r>
-              <a:rPr lang="en-GB" sz="1100" dirty="0"/>
-              <a:t>overflow, 8bit timer, 16bit timer to flash the LEDs</a:t>
-            </a:r>
-          </a:p>
-          <a:p>
-            <a:pPr marL="180000" indent="-478483">
-              <a:spcBef>
-                <a:spcPts val="300"/>
-              </a:spcBef>
-              <a:buFont typeface="+mj-lt"/>
-              <a:buAutoNum type="arabicPeriod"/>
-            </a:pPr>
-            <a:r>
-              <a:rPr lang="en-GB" sz="1100" dirty="0"/>
-              <a:t>Using EEProm – showing values on the serial terminal, and more constants insights</a:t>
-            </a:r>
-          </a:p>
-          <a:p>
-            <a:pPr marL="180000" indent="-478483">
-              <a:spcBef>
-                <a:spcPts val="300"/>
-              </a:spcBef>
-              <a:buFont typeface="+mj-lt"/>
-              <a:buAutoNum type="arabicPeriod"/>
-            </a:pPr>
-            <a:r>
-              <a:rPr lang="en-GB" sz="1100" dirty="0"/>
-              <a:t>Using I2C with serial to discover I2C devices</a:t>
-            </a:r>
-          </a:p>
-          <a:p>
-            <a:pPr marL="180000" indent="-478483">
-              <a:spcBef>
-                <a:spcPts val="300"/>
-              </a:spcBef>
-              <a:buFont typeface="+mj-lt"/>
-              <a:buAutoNum type="arabicPeriod"/>
-            </a:pPr>
-            <a:r>
-              <a:rPr lang="en-GB" sz="1100" dirty="0"/>
-              <a:t>Using </a:t>
-            </a:r>
-            <a:r>
-              <a:rPr lang="en-GB" sz="1100" dirty="0" smtClean="0"/>
-              <a:t>I2C </a:t>
-            </a:r>
-            <a:r>
-              <a:rPr lang="en-GB" sz="1100" dirty="0"/>
-              <a:t>GCLD </a:t>
-            </a:r>
-            <a:r>
-              <a:rPr lang="en-GB" sz="1100" dirty="0" smtClean="0"/>
-              <a:t>display solutions</a:t>
-            </a:r>
-            <a:endParaRPr lang="en-GB" sz="1100" dirty="0"/>
-          </a:p>
-          <a:p>
-            <a:pPr marL="180000" indent="-478483">
-              <a:spcBef>
-                <a:spcPts val="300"/>
-              </a:spcBef>
-              <a:buFont typeface="+mj-lt"/>
-              <a:buAutoNum type="arabicPeriod"/>
-            </a:pPr>
-            <a:r>
-              <a:rPr lang="en-GB" sz="1100" dirty="0"/>
-              <a:t>Using a </a:t>
-            </a:r>
-            <a:r>
-              <a:rPr lang="en-GB" sz="1100" dirty="0" smtClean="0"/>
-              <a:t>SPI GLCD  display solutions</a:t>
-            </a:r>
-            <a:endParaRPr lang="en-GB" sz="1100" dirty="0"/>
-          </a:p>
-          <a:p>
-            <a:pPr marL="180000" indent="-478483">
-              <a:spcBef>
-                <a:spcPts val="300"/>
-              </a:spcBef>
-              <a:buFont typeface="+mj-lt"/>
-              <a:buAutoNum type="arabicPeriod"/>
-            </a:pPr>
-            <a:r>
-              <a:rPr lang="en-GB" sz="1100" dirty="0"/>
-              <a:t>Using PWM, </a:t>
-            </a:r>
-            <a:r>
-              <a:rPr lang="en-GB" sz="1100" dirty="0" smtClean="0"/>
-              <a:t>6  </a:t>
-            </a:r>
-            <a:r>
-              <a:rPr lang="en-GB" sz="1100" dirty="0"/>
-              <a:t>ways,  to dim the LEDS</a:t>
-            </a:r>
-          </a:p>
-          <a:p>
-            <a:pPr marL="180000" indent="-478483">
-              <a:spcBef>
-                <a:spcPts val="300"/>
-              </a:spcBef>
-              <a:buFont typeface="+mj-lt"/>
-              <a:buAutoNum type="arabicPeriod"/>
-            </a:pPr>
-            <a:r>
-              <a:rPr lang="en-GB" sz="1100" dirty="0"/>
-              <a:t>Using an external interrupt to control an LED</a:t>
-            </a:r>
-          </a:p>
-          <a:p>
-            <a:pPr marL="180000" indent="-478483">
-              <a:spcBef>
-                <a:spcPts val="300"/>
-              </a:spcBef>
-              <a:buFont typeface="+mj-lt"/>
-              <a:buAutoNum type="arabicPeriod"/>
-            </a:pPr>
-            <a:r>
-              <a:rPr lang="en-GB" sz="1100" dirty="0"/>
-              <a:t>Using storage within the </a:t>
-            </a:r>
-            <a:r>
-              <a:rPr lang="en-GB" sz="1100" dirty="0" smtClean="0"/>
-              <a:t>chip</a:t>
-            </a:r>
-          </a:p>
-          <a:p>
-            <a:pPr marL="180000" indent="-478483">
-              <a:spcBef>
-                <a:spcPts val="300"/>
-              </a:spcBef>
-              <a:buFont typeface="+mj-lt"/>
-              <a:buAutoNum type="arabicPeriod"/>
-            </a:pPr>
-            <a:r>
-              <a:rPr lang="en-GB" sz="1100" dirty="0"/>
-              <a:t>Using CLC</a:t>
-            </a:r>
-          </a:p>
-          <a:p>
-            <a:pPr marL="180000" indent="-478483">
-              <a:spcBef>
-                <a:spcPts val="300"/>
-              </a:spcBef>
-              <a:buFont typeface="+mj-lt"/>
-              <a:buAutoNum type="arabicPeriod"/>
-            </a:pPr>
-            <a:r>
-              <a:rPr lang="en-GB" sz="1100" b="1" dirty="0" smtClean="0"/>
-              <a:t>The </a:t>
-            </a:r>
-            <a:r>
-              <a:rPr lang="en-GB" sz="1100" b="1" dirty="0"/>
-              <a:t>GCBASIC tool chain</a:t>
-            </a:r>
-          </a:p>
-          <a:p>
-            <a:pPr marL="180000" indent="-478483">
-              <a:spcBef>
-                <a:spcPts val="300"/>
-              </a:spcBef>
-              <a:buFont typeface="+mj-lt"/>
-              <a:buAutoNum type="arabicPeriod"/>
-            </a:pPr>
-            <a:r>
-              <a:rPr lang="en-GB" sz="1100" dirty="0"/>
-              <a:t>Assembly , alternatives assemblers and MPLAB-X</a:t>
-            </a:r>
-          </a:p>
-          <a:p>
-            <a:pPr marL="180000" indent="-478483">
-              <a:spcBef>
-                <a:spcPts val="300"/>
-              </a:spcBef>
-              <a:buFont typeface="+mj-lt"/>
-              <a:buAutoNum type="arabicPeriod"/>
-            </a:pPr>
-            <a:r>
-              <a:rPr lang="en-GB" sz="1100" dirty="0"/>
-              <a:t>Summary</a:t>
-            </a:r>
-          </a:p>
-          <a:p>
-            <a:pPr marL="180000" indent="-478483">
-              <a:spcBef>
-                <a:spcPts val="300"/>
-              </a:spcBef>
-              <a:buFont typeface="+mj-lt"/>
-              <a:buAutoNum type="arabicPeriod"/>
-            </a:pPr>
-            <a:endParaRPr lang="en-GB" sz="400" dirty="0" smtClean="0">
-              <a:solidFill>
-                <a:schemeClr val="bg1">
-                  <a:lumMod val="75000"/>
-                </a:schemeClr>
-              </a:solidFill>
-            </a:endParaRPr>
-          </a:p>
-          <a:p>
-            <a:pPr marL="180000" indent="-478483">
-              <a:spcBef>
-                <a:spcPts val="300"/>
-              </a:spcBef>
-              <a:buNone/>
-            </a:pPr>
-            <a:endParaRPr lang="en-GB" sz="700" dirty="0" smtClean="0"/>
-          </a:p>
-          <a:p>
-            <a:pPr marL="180000" indent="-478483">
-              <a:spcBef>
-                <a:spcPts val="300"/>
-              </a:spcBef>
-              <a:buFont typeface="+mj-lt"/>
-              <a:buAutoNum type="arabicPeriod"/>
-            </a:pPr>
-            <a:endParaRPr lang="en-GB" sz="700" dirty="0" smtClean="0"/>
-          </a:p>
-          <a:p>
-            <a:pPr marL="180000" indent="-478483">
-              <a:spcBef>
-                <a:spcPts val="300"/>
-              </a:spcBef>
-              <a:buFont typeface="+mj-lt"/>
-              <a:buAutoNum type="arabicPeriod"/>
-            </a:pPr>
-            <a:endParaRPr lang="en-GB" sz="500" dirty="0" smtClean="0"/>
-          </a:p>
-          <a:p>
-            <a:pPr marL="180000" indent="-478483">
-              <a:spcBef>
-                <a:spcPts val="300"/>
-              </a:spcBef>
-              <a:buFont typeface="+mj-lt"/>
-              <a:buAutoNum type="arabicPeriod"/>
-            </a:pPr>
-            <a:endParaRPr lang="en-GB" sz="500" dirty="0" smtClean="0"/>
-          </a:p>
-          <a:p>
-            <a:pPr marL="180000" indent="-478483">
-              <a:spcBef>
-                <a:spcPts val="300"/>
-              </a:spcBef>
-              <a:buFont typeface="+mj-lt"/>
-              <a:buAutoNum type="arabicPeriod"/>
-            </a:pPr>
-            <a:endParaRPr lang="en-GB" sz="500" dirty="0" smtClean="0"/>
-          </a:p>
-          <a:p>
-            <a:pPr marL="180000" indent="-478483">
-              <a:spcBef>
-                <a:spcPts val="300"/>
-              </a:spcBef>
-              <a:buFont typeface="+mj-lt"/>
-              <a:buAutoNum type="arabicPeriod"/>
-            </a:pPr>
-            <a:endParaRPr lang="en-GB" sz="500" dirty="0"/>
+            <a:r>
+              <a:rPr lang="en-GB" dirty="0" smtClean="0"/>
+              <a:t>PIC16175xx  is a high performance PIC16</a:t>
+            </a:r>
+          </a:p>
+          <a:p>
+            <a:pPr lvl="1"/>
+            <a:r>
+              <a:rPr lang="en-GB" b="1" dirty="0"/>
+              <a:t>Digital and </a:t>
+            </a:r>
+            <a:r>
+              <a:rPr lang="en-GB" b="1" dirty="0" err="1"/>
+              <a:t>analog</a:t>
+            </a:r>
+            <a:r>
+              <a:rPr lang="en-GB" b="1" dirty="0"/>
+              <a:t> peripherals</a:t>
+            </a:r>
+            <a:r>
+              <a:rPr lang="en-GB" dirty="0"/>
+              <a:t> for flexible embedded control</a:t>
+            </a:r>
+          </a:p>
+          <a:p>
+            <a:pPr lvl="1"/>
+            <a:r>
+              <a:rPr lang="en-GB" b="1" dirty="0"/>
+              <a:t>10-bit ADC</a:t>
+            </a:r>
+            <a:r>
+              <a:rPr lang="en-GB" dirty="0"/>
+              <a:t> for accurate </a:t>
+            </a:r>
+            <a:r>
+              <a:rPr lang="en-GB" dirty="0" err="1"/>
+              <a:t>analog</a:t>
+            </a:r>
+            <a:r>
+              <a:rPr lang="en-GB" dirty="0"/>
+              <a:t> signal conversion</a:t>
+            </a:r>
+          </a:p>
+          <a:p>
+            <a:pPr lvl="1"/>
+            <a:r>
+              <a:rPr lang="en-GB" b="1" dirty="0"/>
+              <a:t>Multiple communication interfaces</a:t>
+            </a:r>
+            <a:r>
+              <a:rPr lang="en-GB" dirty="0"/>
+              <a:t> including UART (serial), I²C, and SPI</a:t>
+            </a:r>
+          </a:p>
+          <a:p>
+            <a:pPr lvl="1"/>
+            <a:r>
+              <a:rPr lang="en-GB" b="1" dirty="0"/>
+              <a:t>PWM modules</a:t>
+            </a:r>
+            <a:r>
+              <a:rPr lang="en-GB" dirty="0"/>
+              <a:t> with CCP and 16-bit resolution for precise timing and motor control</a:t>
+            </a:r>
+          </a:p>
+          <a:p>
+            <a:pPr lvl="1"/>
+            <a:r>
+              <a:rPr lang="en-GB" b="1" dirty="0"/>
+              <a:t>Configurable Logic Cells (CLCs)</a:t>
+            </a:r>
+            <a:r>
+              <a:rPr lang="en-GB" dirty="0"/>
+              <a:t> for custom hardware-level logic without external components</a:t>
+            </a:r>
+          </a:p>
+          <a:p>
+            <a:pPr lvl="1"/>
+            <a:r>
+              <a:rPr lang="en-GB" b="1" dirty="0"/>
+              <a:t>Integrated op amps</a:t>
+            </a:r>
+            <a:r>
+              <a:rPr lang="en-GB" dirty="0"/>
+              <a:t> for </a:t>
+            </a:r>
+            <a:r>
+              <a:rPr lang="en-GB" dirty="0" err="1"/>
+              <a:t>onboard</a:t>
+            </a:r>
+            <a:r>
+              <a:rPr lang="en-GB" dirty="0"/>
+              <a:t> </a:t>
+            </a:r>
+            <a:r>
+              <a:rPr lang="en-GB" dirty="0" err="1"/>
+              <a:t>analog</a:t>
+            </a:r>
+            <a:r>
+              <a:rPr lang="en-GB" dirty="0"/>
+              <a:t> signal conditioning and amplification</a:t>
+            </a:r>
+          </a:p>
+          <a:p>
+            <a:endParaRPr lang="en-GB" dirty="0" smtClean="0"/>
+          </a:p>
+          <a:p>
+            <a:r>
+              <a:rPr lang="en-GB" dirty="0" smtClean="0"/>
+              <a:t>The PIC16175xx offers 14, 20, 28, 40 and 44-pin products in small footprint packages to support customers in a wide variety of applications. </a:t>
+            </a:r>
+          </a:p>
+          <a:p>
+            <a:endParaRPr lang="en-GB" dirty="0"/>
           </a:p>
         </p:txBody>
       </p:sp>
     </p:spTree>
     <p:extLst>
       <p:ext uri="{BB962C8B-B14F-4D97-AF65-F5344CB8AC3E}">
-        <p14:creationId xmlns:p14="http://schemas.microsoft.com/office/powerpoint/2010/main" val="1947865557"/>
+        <p14:creationId xmlns:p14="http://schemas.microsoft.com/office/powerpoint/2010/main" val="1958977122"/>
       </p:ext>
     </p:extLst>
   </p:cSld>
@@ -13541,7 +14677,9 @@
           <a:prstGeom prst="rect">
             <a:avLst/>
           </a:prstGeom>
-          <a:noFill/>
+          <a:solidFill>
+            <a:schemeClr val="bg1"/>
+          </a:solidFill>
         </p:spPr>
         <p:txBody>
           <a:bodyPr wrap="square" lIns="85064" tIns="42531" rIns="85064" bIns="42531" rtlCol="0">
@@ -13564,7 +14702,7 @@
             </a:r>
             <a:r>
               <a:rPr lang="en-GB" dirty="0" smtClean="0"/>
-              <a:t>18FxxQ24 </a:t>
+              <a:t>16F175xx </a:t>
             </a:r>
             <a:r>
               <a:rPr lang="en-GB" dirty="0" smtClean="0"/>
@@ -13593,11 +14731,11 @@
   <p:clrMapOvr>
     <a:masterClrMapping/>
   </p:clrMapOvr>
-  <mc:AlternateContent xmlns:mc="http://schemas.openxmlformats.org/markup-compatibility/2006">
-    <mc:Choice xmlns:p14="http://schemas.microsoft.com/office/powerpoint/2010/main" Requires="p14">
+  <mc:AlternateContent xmlns:mc="http://schemas.openxmlformats.org/markup-compatibility/2006" xmlns:p14="http://schemas.microsoft.com/office/powerpoint/2010/main">
+    <mc:Choice Requires="p14">
       <p:transition spd="slow" p14:dur="2000" advClick="0"/>
     </mc:Choice>
-    <mc:Fallback>
+    <mc:Fallback xmlns="">
       <p:transition spd="slow" advClick="0"/>
     </mc:Fallback>
   </mc:AlternateContent>
@@ -14272,11 +15410,11 @@
   <p:clrMapOvr>
     <a:masterClrMapping/>
   </p:clrMapOvr>
-  <mc:AlternateContent xmlns:mc="http://schemas.openxmlformats.org/markup-compatibility/2006">
-    <mc:Choice xmlns:p14="http://schemas.microsoft.com/office/powerpoint/2010/main" Requires="p14">
+  <mc:AlternateContent xmlns:mc="http://schemas.openxmlformats.org/markup-compatibility/2006" xmlns:p14="http://schemas.microsoft.com/office/powerpoint/2010/main">
+    <mc:Choice Requires="p14">
       <p:transition spd="slow" p14:dur="2000" advClick="0"/>
     </mc:Choice>
-    <mc:Fallback>
+    <mc:Fallback xmlns="">
       <p:transition spd="slow" advClick="0"/>
     </mc:Fallback>
   </mc:AlternateContent>
@@ -14643,11 +15781,11 @@
   <p:clrMapOvr>
     <a:masterClrMapping/>
   </p:clrMapOvr>
-  <mc:AlternateContent xmlns:mc="http://schemas.openxmlformats.org/markup-compatibility/2006">
-    <mc:Choice xmlns:p14="http://schemas.microsoft.com/office/powerpoint/2010/main" Requires="p14">
+  <mc:AlternateContent xmlns:mc="http://schemas.openxmlformats.org/markup-compatibility/2006" xmlns:p14="http://schemas.microsoft.com/office/powerpoint/2010/main">
+    <mc:Choice Requires="p14">
       <p:transition spd="slow" p14:dur="2000" advClick="0"/>
     </mc:Choice>
-    <mc:Fallback>
+    <mc:Fallback xmlns="">
       <p:transition spd="slow" advClick="0"/>
     </mc:Fallback>
   </mc:AlternateContent>
@@ -24886,11 +26024,11 @@
   <p:clrMapOvr>
     <a:masterClrMapping/>
   </p:clrMapOvr>
-  <mc:AlternateContent xmlns:mc="http://schemas.openxmlformats.org/markup-compatibility/2006">
-    <mc:Choice xmlns:p14="http://schemas.microsoft.com/office/powerpoint/2010/main" Requires="p14">
+  <mc:AlternateContent xmlns:mc="http://schemas.openxmlformats.org/markup-compatibility/2006" xmlns:p14="http://schemas.microsoft.com/office/powerpoint/2010/main">
+    <mc:Choice Requires="p14">
       <p:transition spd="slow" p14:dur="2000" advClick="0"/>
     </mc:Choice>
-    <mc:Fallback>
+    <mc:Fallback xmlns="">
       <p:transition spd="slow" advClick="0"/>
     </mc:Fallback>
   </mc:AlternateContent>
@@ -25095,7 +26233,7 @@
   <a:extraClrSchemeLst/>
   <a:extLst>
     <a:ext uri="{05A4C25C-085E-4340-85A3-A5531E510DB2}">
-      <thm15:themeFamily xmlns="" xmlns:thm15="http://schemas.microsoft.com/office/thememl/2012/main" name="GCstudioThemeLight" id="{4C740F94-33C0-4EEC-9234-F56C348A0987}" vid="{A43F8B96-90D8-489D-B80F-92F9D6F351CC}"/>
+      <thm15:themeFamily xmlns:thm15="http://schemas.microsoft.com/office/thememl/2012/main" xmlns="" name="GCstudioThemeLight" id="{4C740F94-33C0-4EEC-9234-F56C348A0987}" vid="{A43F8B96-90D8-489D-B80F-92F9D6F351CC}"/>
     </a:ext>
   </a:extLst>
 </a:theme>
